--- a/AdvancedRxSwift/day2/AdvancedRxSwift2.pptx
+++ b/AdvancedRxSwift/day2/AdvancedRxSwift2.pptx
@@ -5,16 +5,18 @@
     <p:sldMasterId id="2147483657" r:id="rId1"/>
   </p:sldMasterIdLst>
   <p:notesMasterIdLst>
-    <p:notesMasterId r:id="rId9"/>
+    <p:notesMasterId r:id="rId11"/>
   </p:notesMasterIdLst>
   <p:sldIdLst>
     <p:sldId id="256" r:id="rId2"/>
     <p:sldId id="333" r:id="rId3"/>
-    <p:sldId id="334" r:id="rId4"/>
-    <p:sldId id="335" r:id="rId5"/>
-    <p:sldId id="336" r:id="rId6"/>
-    <p:sldId id="337" r:id="rId7"/>
-    <p:sldId id="338" r:id="rId8"/>
+    <p:sldId id="339" r:id="rId4"/>
+    <p:sldId id="334" r:id="rId5"/>
+    <p:sldId id="335" r:id="rId6"/>
+    <p:sldId id="336" r:id="rId7"/>
+    <p:sldId id="337" r:id="rId8"/>
+    <p:sldId id="338" r:id="rId9"/>
+    <p:sldId id="340" r:id="rId10"/>
   </p:sldIdLst>
   <p:sldSz cx="9144000" cy="5143500" type="screen16x9"/>
   <p:notesSz cx="6858000" cy="9144000"/>
@@ -1110,6 +1112,208 @@
 </file>
 
 <file path=ppt/notesSlides/notesSlide7.xml><?xml version="1.0" encoding="utf-8"?>
+<p:notes xmlns:a="http://schemas.openxmlformats.org/drawingml/2006/main" xmlns:r="http://schemas.openxmlformats.org/officeDocument/2006/relationships" xmlns:p="http://schemas.openxmlformats.org/presentationml/2006/main" showMasterSp="0" showMasterPhAnim="0">
+  <p:cSld>
+    <p:spTree>
+      <p:nvGrpSpPr>
+        <p:cNvPr id="1" name="Shape 185"/>
+        <p:cNvGrpSpPr/>
+        <p:nvPr/>
+      </p:nvGrpSpPr>
+      <p:grpSpPr>
+        <a:xfrm>
+          <a:off x="0" y="0"/>
+          <a:ext cx="0" cy="0"/>
+          <a:chOff x="0" y="0"/>
+          <a:chExt cx="0" cy="0"/>
+        </a:xfrm>
+      </p:grpSpPr>
+      <p:sp>
+        <p:nvSpPr>
+          <p:cNvPr id="186" name="Shape 186"/>
+          <p:cNvSpPr>
+            <a:spLocks noGrp="1" noRot="1" noChangeAspect="1"/>
+          </p:cNvSpPr>
+          <p:nvPr>
+            <p:ph type="sldImg" idx="2"/>
+          </p:nvPr>
+        </p:nvSpPr>
+        <p:spPr>
+          <a:xfrm>
+            <a:off x="381000" y="685800"/>
+            <a:ext cx="6096000" cy="3429000"/>
+          </a:xfrm>
+          <a:custGeom>
+            <a:avLst/>
+            <a:gdLst/>
+            <a:ahLst/>
+            <a:cxnLst/>
+            <a:rect l="0" t="0" r="0" b="0"/>
+            <a:pathLst>
+              <a:path w="120000" h="120000" extrusionOk="0">
+                <a:moveTo>
+                  <a:pt x="0" y="0"/>
+                </a:moveTo>
+                <a:lnTo>
+                  <a:pt x="120000" y="0"/>
+                </a:lnTo>
+                <a:lnTo>
+                  <a:pt x="120000" y="120000"/>
+                </a:lnTo>
+                <a:lnTo>
+                  <a:pt x="0" y="120000"/>
+                </a:lnTo>
+                <a:close/>
+              </a:path>
+            </a:pathLst>
+          </a:custGeom>
+        </p:spPr>
+      </p:sp>
+      <p:sp>
+        <p:nvSpPr>
+          <p:cNvPr id="187" name="Shape 187"/>
+          <p:cNvSpPr txBox="1">
+            <a:spLocks noGrp="1"/>
+          </p:cNvSpPr>
+          <p:nvPr>
+            <p:ph type="body" idx="1"/>
+          </p:nvPr>
+        </p:nvSpPr>
+        <p:spPr>
+          <a:xfrm>
+            <a:off x="685800" y="4343400"/>
+            <a:ext cx="5486400" cy="4114800"/>
+          </a:xfrm>
+          <a:prstGeom prst="rect">
+            <a:avLst/>
+          </a:prstGeom>
+        </p:spPr>
+        <p:txBody>
+          <a:bodyPr wrap="square" lIns="91425" tIns="91425" rIns="91425" bIns="91425" anchor="t" anchorCtr="0">
+            <a:noAutofit/>
+          </a:bodyPr>
+          <a:lstStyle/>
+          <a:p>
+            <a:pPr lvl="0">
+              <a:spcBef>
+                <a:spcPts val="0"/>
+              </a:spcBef>
+              <a:buNone/>
+            </a:pPr>
+            <a:endParaRPr/>
+          </a:p>
+        </p:txBody>
+      </p:sp>
+    </p:spTree>
+  </p:cSld>
+  <p:clrMapOvr>
+    <a:masterClrMapping/>
+  </p:clrMapOvr>
+</p:notes>
+</file>
+
+<file path=ppt/notesSlides/notesSlide8.xml><?xml version="1.0" encoding="utf-8"?>
+<p:notes xmlns:a="http://schemas.openxmlformats.org/drawingml/2006/main" xmlns:r="http://schemas.openxmlformats.org/officeDocument/2006/relationships" xmlns:p="http://schemas.openxmlformats.org/presentationml/2006/main" showMasterSp="0" showMasterPhAnim="0">
+  <p:cSld>
+    <p:spTree>
+      <p:nvGrpSpPr>
+        <p:cNvPr id="1" name="Shape 185"/>
+        <p:cNvGrpSpPr/>
+        <p:nvPr/>
+      </p:nvGrpSpPr>
+      <p:grpSpPr>
+        <a:xfrm>
+          <a:off x="0" y="0"/>
+          <a:ext cx="0" cy="0"/>
+          <a:chOff x="0" y="0"/>
+          <a:chExt cx="0" cy="0"/>
+        </a:xfrm>
+      </p:grpSpPr>
+      <p:sp>
+        <p:nvSpPr>
+          <p:cNvPr id="186" name="Shape 186"/>
+          <p:cNvSpPr>
+            <a:spLocks noGrp="1" noRot="1" noChangeAspect="1"/>
+          </p:cNvSpPr>
+          <p:nvPr>
+            <p:ph type="sldImg" idx="2"/>
+          </p:nvPr>
+        </p:nvSpPr>
+        <p:spPr>
+          <a:xfrm>
+            <a:off x="381000" y="685800"/>
+            <a:ext cx="6096000" cy="3429000"/>
+          </a:xfrm>
+          <a:custGeom>
+            <a:avLst/>
+            <a:gdLst/>
+            <a:ahLst/>
+            <a:cxnLst/>
+            <a:rect l="0" t="0" r="0" b="0"/>
+            <a:pathLst>
+              <a:path w="120000" h="120000" extrusionOk="0">
+                <a:moveTo>
+                  <a:pt x="0" y="0"/>
+                </a:moveTo>
+                <a:lnTo>
+                  <a:pt x="120000" y="0"/>
+                </a:lnTo>
+                <a:lnTo>
+                  <a:pt x="120000" y="120000"/>
+                </a:lnTo>
+                <a:lnTo>
+                  <a:pt x="0" y="120000"/>
+                </a:lnTo>
+                <a:close/>
+              </a:path>
+            </a:pathLst>
+          </a:custGeom>
+        </p:spPr>
+      </p:sp>
+      <p:sp>
+        <p:nvSpPr>
+          <p:cNvPr id="187" name="Shape 187"/>
+          <p:cNvSpPr txBox="1">
+            <a:spLocks noGrp="1"/>
+          </p:cNvSpPr>
+          <p:nvPr>
+            <p:ph type="body" idx="1"/>
+          </p:nvPr>
+        </p:nvSpPr>
+        <p:spPr>
+          <a:xfrm>
+            <a:off x="685800" y="4343400"/>
+            <a:ext cx="5486400" cy="4114800"/>
+          </a:xfrm>
+          <a:prstGeom prst="rect">
+            <a:avLst/>
+          </a:prstGeom>
+        </p:spPr>
+        <p:txBody>
+          <a:bodyPr wrap="square" lIns="91425" tIns="91425" rIns="91425" bIns="91425" anchor="t" anchorCtr="0">
+            <a:noAutofit/>
+          </a:bodyPr>
+          <a:lstStyle/>
+          <a:p>
+            <a:pPr lvl="0">
+              <a:spcBef>
+                <a:spcPts val="0"/>
+              </a:spcBef>
+              <a:buNone/>
+            </a:pPr>
+            <a:endParaRPr/>
+          </a:p>
+        </p:txBody>
+      </p:sp>
+    </p:spTree>
+  </p:cSld>
+  <p:clrMapOvr>
+    <a:masterClrMapping/>
+  </p:clrMapOvr>
+</p:notes>
+</file>
+
+<file path=ppt/notesSlides/notesSlide9.xml><?xml version="1.0" encoding="utf-8"?>
 <p:notes xmlns:a="http://schemas.openxmlformats.org/drawingml/2006/main" xmlns:r="http://schemas.openxmlformats.org/officeDocument/2006/relationships" xmlns:p="http://schemas.openxmlformats.org/presentationml/2006/main" showMasterSp="0" showMasterPhAnim="0">
   <p:cSld>
     <p:spTree>
@@ -3623,11 +3827,7 @@
             </a:r>
             <a:r>
               <a:rPr lang="en-US" sz="4400" dirty="0" smtClean="0"/>
-              <a:t> Day </a:t>
-            </a:r>
-            <a:r>
-              <a:rPr lang="en-US" sz="4400" dirty="0" smtClean="0"/>
-              <a:t>2</a:t>
+              <a:t> Day 2</a:t>
             </a:r>
             <a:endParaRPr lang="en" sz="4400" dirty="0"/>
           </a:p>
@@ -3936,15 +4136,7 @@
             </a:pPr>
             <a:r>
               <a:rPr lang="en-US" dirty="0" smtClean="0"/>
-              <a:t>Grouping </a:t>
-            </a:r>
-            <a:r>
-              <a:rPr lang="mr-IN" dirty="0" smtClean="0"/>
-              <a:t>–</a:t>
-            </a:r>
-            <a:r>
-              <a:rPr lang="en-US" dirty="0" smtClean="0"/>
-              <a:t> Protocol Extension, associatetype</a:t>
+              <a:t>Protocol-Oriented Programming in Swift</a:t>
             </a:r>
             <a:endParaRPr lang="en" dirty="0"/>
           </a:p>
@@ -4019,36 +4211,118 @@
           </a:prstGeom>
         </p:spPr>
       </p:pic>
-      <p:pic>
-        <p:nvPicPr>
-          <p:cNvPr id="4" name="Picture 3" descr="Screen Shot 2018-05-06 at 7.07.45 PM.png"/>
-          <p:cNvPicPr>
-            <a:picLocks noChangeAspect="1"/>
-          </p:cNvPicPr>
+      <p:sp>
+        <p:nvSpPr>
+          <p:cNvPr id="3" name="TextBox 2"/>
+          <p:cNvSpPr txBox="1"/>
           <p:nvPr/>
-        </p:nvPicPr>
-        <p:blipFill>
-          <a:blip r:embed="rId4">
-            <a:extLst>
-              <a:ext uri="{28A0092B-C50C-407E-A947-70E740481C1C}">
-                <a14:useLocalDpi xmlns:a14="http://schemas.microsoft.com/office/drawing/2010/main" val="0"/>
-              </a:ext>
-            </a:extLst>
-          </a:blip>
-          <a:stretch>
-            <a:fillRect/>
-          </a:stretch>
-        </p:blipFill>
-        <p:spPr>
-          <a:xfrm>
-            <a:off x="740655" y="1920535"/>
-            <a:ext cx="5054600" cy="1435100"/>
+        </p:nvSpPr>
+        <p:spPr>
+          <a:xfrm>
+            <a:off x="455077" y="1551038"/>
+            <a:ext cx="7663476" cy="2954655"/>
           </a:xfrm>
           <a:prstGeom prst="rect">
             <a:avLst/>
           </a:prstGeom>
-        </p:spPr>
-      </p:pic>
+          <a:noFill/>
+        </p:spPr>
+        <p:txBody>
+          <a:bodyPr wrap="none" rtlCol="0">
+            <a:spAutoFit/>
+          </a:bodyPr>
+          <a:lstStyle/>
+          <a:p>
+            <a:r>
+              <a:rPr lang="en-US" sz="1800" b="1" dirty="0" smtClean="0"/>
+              <a:t>WWDC 2015 </a:t>
+            </a:r>
+            <a:r>
+              <a:rPr lang="mr-IN" sz="1800" b="1" dirty="0" smtClean="0"/>
+              <a:t>–</a:t>
+            </a:r>
+            <a:r>
+              <a:rPr lang="en-US" sz="1800" b="1" dirty="0" smtClean="0"/>
+              <a:t> Session 408</a:t>
+            </a:r>
+          </a:p>
+          <a:p>
+            <a:endParaRPr lang="en-US" dirty="0" smtClean="0"/>
+          </a:p>
+          <a:p>
+            <a:endParaRPr lang="en-US" dirty="0"/>
+          </a:p>
+          <a:p>
+            <a:r>
+              <a:rPr lang="en-US" dirty="0"/>
+              <a:t>At the heart of Swift's design are two incredibly powerful ideas: protocol-oriented programming </a:t>
+            </a:r>
+            <a:endParaRPr lang="en-US" dirty="0" smtClean="0"/>
+          </a:p>
+          <a:p>
+            <a:endParaRPr lang="en-US" dirty="0"/>
+          </a:p>
+          <a:p>
+            <a:r>
+              <a:rPr lang="en-US" dirty="0" smtClean="0"/>
+              <a:t>and </a:t>
+            </a:r>
+            <a:r>
+              <a:rPr lang="en-US" dirty="0"/>
+              <a:t>first class value semantics. Each of these concepts benefit predictability, performance, </a:t>
+            </a:r>
+            <a:endParaRPr lang="en-US" dirty="0" smtClean="0"/>
+          </a:p>
+          <a:p>
+            <a:endParaRPr lang="en-US" dirty="0"/>
+          </a:p>
+          <a:p>
+            <a:r>
+              <a:rPr lang="en-US" dirty="0" smtClean="0"/>
+              <a:t>and </a:t>
+            </a:r>
+            <a:r>
+              <a:rPr lang="en-US" dirty="0"/>
+              <a:t>productivity, but together they can change the way we think about programming. </a:t>
+            </a:r>
+            <a:endParaRPr lang="en-US" dirty="0" smtClean="0"/>
+          </a:p>
+          <a:p>
+            <a:endParaRPr lang="en-US" dirty="0"/>
+          </a:p>
+          <a:p>
+            <a:r>
+              <a:rPr lang="en-US" dirty="0" smtClean="0"/>
+              <a:t>Find </a:t>
+            </a:r>
+            <a:r>
+              <a:rPr lang="en-US" dirty="0"/>
+              <a:t>out how you can apply these ideas to improve the code you write.</a:t>
+            </a:r>
+            <a:endParaRPr lang="en-US" dirty="0" smtClean="0"/>
+          </a:p>
+          <a:p>
+            <a:endParaRPr lang="en-US" dirty="0" smtClean="0"/>
+          </a:p>
+          <a:p>
+            <a:endParaRPr lang="en-US" dirty="0"/>
+          </a:p>
+          <a:p>
+            <a:r>
+              <a:rPr lang="en-US" i="1" dirty="0"/>
+              <a:t>https://</a:t>
+            </a:r>
+            <a:r>
+              <a:rPr lang="en-US" i="1" dirty="0" err="1"/>
+              <a:t>developer.apple.com</a:t>
+            </a:r>
+            <a:r>
+              <a:rPr lang="en-US" i="1" dirty="0"/>
+              <a:t>/videos/play/wwdc2015/408/</a:t>
+            </a:r>
+          </a:p>
+        </p:txBody>
+      </p:sp>
     </p:spTree>
     <p:extLst>
       <p:ext uri="{BB962C8B-B14F-4D97-AF65-F5344CB8AC3E}">
@@ -4204,7 +4478,7 @@
       </p:pic>
       <p:pic>
         <p:nvPicPr>
-          <p:cNvPr id="5" name="Picture 4" descr="Screen Shot 2018-05-06 at 5.56.43 PM.png"/>
+          <p:cNvPr id="4" name="Picture 3" descr="Screen Shot 2018-05-06 at 7.07.45 PM.png"/>
           <p:cNvPicPr>
             <a:picLocks noChangeAspect="1"/>
           </p:cNvPicPr>
@@ -4224,67 +4498,7 @@
         </p:blipFill>
         <p:spPr>
           <a:xfrm>
-            <a:off x="54580" y="3754673"/>
-            <a:ext cx="4394200" cy="990600"/>
-          </a:xfrm>
-          <a:prstGeom prst="rect">
-            <a:avLst/>
-          </a:prstGeom>
-        </p:spPr>
-      </p:pic>
-      <p:pic>
-        <p:nvPicPr>
-          <p:cNvPr id="6" name="Picture 5" descr="Screen Shot 2018-05-06 at 5.56.36 PM.png"/>
-          <p:cNvPicPr>
-            <a:picLocks noChangeAspect="1"/>
-          </p:cNvPicPr>
-          <p:nvPr/>
-        </p:nvPicPr>
-        <p:blipFill>
-          <a:blip r:embed="rId5">
-            <a:extLst>
-              <a:ext uri="{28A0092B-C50C-407E-A947-70E740481C1C}">
-                <a14:useLocalDpi xmlns:a14="http://schemas.microsoft.com/office/drawing/2010/main" val="0"/>
-              </a:ext>
-            </a:extLst>
-          </a:blip>
-          <a:stretch>
-            <a:fillRect/>
-          </a:stretch>
-        </p:blipFill>
-        <p:spPr>
-          <a:xfrm>
-            <a:off x="0" y="2875361"/>
-            <a:ext cx="9144000" cy="860907"/>
-          </a:xfrm>
-          <a:prstGeom prst="rect">
-            <a:avLst/>
-          </a:prstGeom>
-        </p:spPr>
-      </p:pic>
-      <p:pic>
-        <p:nvPicPr>
-          <p:cNvPr id="3" name="Picture 2" descr="Screen Shot 2018-05-06 at 7.07.45 PM.png"/>
-          <p:cNvPicPr>
-            <a:picLocks noChangeAspect="1"/>
-          </p:cNvPicPr>
-          <p:nvPr/>
-        </p:nvPicPr>
-        <p:blipFill>
-          <a:blip r:embed="rId6">
-            <a:extLst>
-              <a:ext uri="{28A0092B-C50C-407E-A947-70E740481C1C}">
-                <a14:useLocalDpi xmlns:a14="http://schemas.microsoft.com/office/drawing/2010/main" val="0"/>
-              </a:ext>
-            </a:extLst>
-          </a:blip>
-          <a:stretch>
-            <a:fillRect/>
-          </a:stretch>
-        </p:blipFill>
-        <p:spPr>
-          <a:xfrm>
-            <a:off x="0" y="1349972"/>
+            <a:off x="740655" y="1920535"/>
             <a:ext cx="5054600" cy="1435100"/>
           </a:xfrm>
           <a:prstGeom prst="rect">
@@ -4295,7 +4509,7 @@
     </p:spTree>
     <p:extLst>
       <p:ext uri="{BB962C8B-B14F-4D97-AF65-F5344CB8AC3E}">
-        <p14:creationId xmlns:p14="http://schemas.microsoft.com/office/powerpoint/2010/main" val="483918983"/>
+        <p14:creationId xmlns:p14="http://schemas.microsoft.com/office/powerpoint/2010/main" val="201497647"/>
       </p:ext>
     </p:extLst>
   </p:cSld>
@@ -4447,7 +4661,7 @@
       </p:pic>
       <p:pic>
         <p:nvPicPr>
-          <p:cNvPr id="7" name="Picture 6" descr="Screen Shot 2018-05-06 at 5.56.52 PM.png"/>
+          <p:cNvPr id="5" name="Picture 4" descr="Screen Shot 2018-05-06 at 5.56.43 PM.png"/>
           <p:cNvPicPr>
             <a:picLocks noChangeAspect="1"/>
           </p:cNvPicPr>
@@ -4467,8 +4681,8 @@
         </p:blipFill>
         <p:spPr>
           <a:xfrm>
-            <a:off x="0" y="1493789"/>
-            <a:ext cx="9144000" cy="963416"/>
+            <a:off x="54580" y="3754673"/>
+            <a:ext cx="4394200" cy="990600"/>
           </a:xfrm>
           <a:prstGeom prst="rect">
             <a:avLst/>
@@ -4477,7 +4691,7 @@
       </p:pic>
       <p:pic>
         <p:nvPicPr>
-          <p:cNvPr id="8" name="Picture 7" descr="Screen Shot 2018-05-06 at 5.59.50 PM.png"/>
+          <p:cNvPr id="6" name="Picture 5" descr="Screen Shot 2018-05-06 at 5.56.36 PM.png"/>
           <p:cNvPicPr>
             <a:picLocks noChangeAspect="1"/>
           </p:cNvPicPr>
@@ -4497,8 +4711,38 @@
         </p:blipFill>
         <p:spPr>
           <a:xfrm>
-            <a:off x="0" y="2506285"/>
-            <a:ext cx="7137400" cy="2184400"/>
+            <a:off x="0" y="2875361"/>
+            <a:ext cx="9144000" cy="860907"/>
+          </a:xfrm>
+          <a:prstGeom prst="rect">
+            <a:avLst/>
+          </a:prstGeom>
+        </p:spPr>
+      </p:pic>
+      <p:pic>
+        <p:nvPicPr>
+          <p:cNvPr id="3" name="Picture 2" descr="Screen Shot 2018-05-06 at 7.07.45 PM.png"/>
+          <p:cNvPicPr>
+            <a:picLocks noChangeAspect="1"/>
+          </p:cNvPicPr>
+          <p:nvPr/>
+        </p:nvPicPr>
+        <p:blipFill>
+          <a:blip r:embed="rId6">
+            <a:extLst>
+              <a:ext uri="{28A0092B-C50C-407E-A947-70E740481C1C}">
+                <a14:useLocalDpi xmlns:a14="http://schemas.microsoft.com/office/drawing/2010/main" val="0"/>
+              </a:ext>
+            </a:extLst>
+          </a:blip>
+          <a:stretch>
+            <a:fillRect/>
+          </a:stretch>
+        </p:blipFill>
+        <p:spPr>
+          <a:xfrm>
+            <a:off x="0" y="1349972"/>
+            <a:ext cx="5054600" cy="1435100"/>
           </a:xfrm>
           <a:prstGeom prst="rect">
             <a:avLst/>
@@ -4508,7 +4752,7 @@
     </p:spTree>
     <p:extLst>
       <p:ext uri="{BB962C8B-B14F-4D97-AF65-F5344CB8AC3E}">
-        <p14:creationId xmlns:p14="http://schemas.microsoft.com/office/powerpoint/2010/main" val="1851042509"/>
+        <p14:creationId xmlns:p14="http://schemas.microsoft.com/office/powerpoint/2010/main" val="483918983"/>
       </p:ext>
     </p:extLst>
   </p:cSld>
@@ -4660,7 +4904,7 @@
       </p:pic>
       <p:pic>
         <p:nvPicPr>
-          <p:cNvPr id="3" name="Picture 2" descr="Screen Shot 2018-05-06 at 6.04.06 PM.png"/>
+          <p:cNvPr id="7" name="Picture 6" descr="Screen Shot 2018-05-06 at 5.56.52 PM.png"/>
           <p:cNvPicPr>
             <a:picLocks noChangeAspect="1"/>
           </p:cNvPicPr>
@@ -4680,8 +4924,8 @@
         </p:blipFill>
         <p:spPr>
           <a:xfrm>
-            <a:off x="270500" y="1622183"/>
-            <a:ext cx="4953000" cy="1663700"/>
+            <a:off x="0" y="1493789"/>
+            <a:ext cx="9144000" cy="963416"/>
           </a:xfrm>
           <a:prstGeom prst="rect">
             <a:avLst/>
@@ -4690,7 +4934,7 @@
       </p:pic>
       <p:pic>
         <p:nvPicPr>
-          <p:cNvPr id="4" name="Picture 3" descr="Screen Shot 2018-05-06 at 6.04.50 PM.png"/>
+          <p:cNvPr id="8" name="Picture 7" descr="Screen Shot 2018-05-06 at 5.59.50 PM.png"/>
           <p:cNvPicPr>
             <a:picLocks noChangeAspect="1"/>
           </p:cNvPicPr>
@@ -4710,8 +4954,8 @@
         </p:blipFill>
         <p:spPr>
           <a:xfrm>
-            <a:off x="270500" y="3588711"/>
-            <a:ext cx="2451100" cy="381000"/>
+            <a:off x="0" y="2506285"/>
+            <a:ext cx="7137400" cy="2184400"/>
           </a:xfrm>
           <a:prstGeom prst="rect">
             <a:avLst/>
@@ -4721,7 +4965,7 @@
     </p:spTree>
     <p:extLst>
       <p:ext uri="{BB962C8B-B14F-4D97-AF65-F5344CB8AC3E}">
-        <p14:creationId xmlns:p14="http://schemas.microsoft.com/office/powerpoint/2010/main" val="2555477460"/>
+        <p14:creationId xmlns:p14="http://schemas.microsoft.com/office/powerpoint/2010/main" val="1851042509"/>
       </p:ext>
     </p:extLst>
   </p:cSld>
@@ -4873,7 +5117,7 @@
       </p:pic>
       <p:pic>
         <p:nvPicPr>
-          <p:cNvPr id="7" name="Picture 6" descr="Screen Shot 2018-05-06 at 6.06.38 PM.png"/>
+          <p:cNvPr id="3" name="Picture 2" descr="Screen Shot 2018-05-06 at 6.04.06 PM.png"/>
           <p:cNvPicPr>
             <a:picLocks noChangeAspect="1"/>
           </p:cNvPicPr>
@@ -4893,8 +5137,8 @@
         </p:blipFill>
         <p:spPr>
           <a:xfrm>
-            <a:off x="4020316" y="1429473"/>
-            <a:ext cx="5127054" cy="3036865"/>
+            <a:off x="270500" y="1622183"/>
+            <a:ext cx="4953000" cy="1663700"/>
           </a:xfrm>
           <a:prstGeom prst="rect">
             <a:avLst/>
@@ -4903,7 +5147,7 @@
       </p:pic>
       <p:pic>
         <p:nvPicPr>
-          <p:cNvPr id="8" name="Picture 7" descr="Screen Shot 2018-05-06 at 6.07.55 PM.png"/>
+          <p:cNvPr id="4" name="Picture 3" descr="Screen Shot 2018-05-06 at 6.04.50 PM.png"/>
           <p:cNvPicPr>
             <a:picLocks noChangeAspect="1"/>
           </p:cNvPicPr>
@@ -4923,8 +5167,8 @@
         </p:blipFill>
         <p:spPr>
           <a:xfrm>
-            <a:off x="12274" y="1608972"/>
-            <a:ext cx="3972293" cy="2348153"/>
+            <a:off x="270500" y="3588711"/>
+            <a:ext cx="2451100" cy="381000"/>
           </a:xfrm>
           <a:prstGeom prst="rect">
             <a:avLst/>
@@ -4934,7 +5178,7 @@
     </p:spTree>
     <p:extLst>
       <p:ext uri="{BB962C8B-B14F-4D97-AF65-F5344CB8AC3E}">
-        <p14:creationId xmlns:p14="http://schemas.microsoft.com/office/powerpoint/2010/main" val="1638730713"/>
+        <p14:creationId xmlns:p14="http://schemas.microsoft.com/office/powerpoint/2010/main" val="2555477460"/>
       </p:ext>
     </p:extLst>
   </p:cSld>
@@ -5086,6 +5330,219 @@
       </p:pic>
       <p:pic>
         <p:nvPicPr>
+          <p:cNvPr id="7" name="Picture 6" descr="Screen Shot 2018-05-06 at 6.06.38 PM.png"/>
+          <p:cNvPicPr>
+            <a:picLocks noChangeAspect="1"/>
+          </p:cNvPicPr>
+          <p:nvPr/>
+        </p:nvPicPr>
+        <p:blipFill>
+          <a:blip r:embed="rId4">
+            <a:extLst>
+              <a:ext uri="{28A0092B-C50C-407E-A947-70E740481C1C}">
+                <a14:useLocalDpi xmlns:a14="http://schemas.microsoft.com/office/drawing/2010/main" val="0"/>
+              </a:ext>
+            </a:extLst>
+          </a:blip>
+          <a:stretch>
+            <a:fillRect/>
+          </a:stretch>
+        </p:blipFill>
+        <p:spPr>
+          <a:xfrm>
+            <a:off x="4020316" y="1429473"/>
+            <a:ext cx="5127054" cy="3036865"/>
+          </a:xfrm>
+          <a:prstGeom prst="rect">
+            <a:avLst/>
+          </a:prstGeom>
+        </p:spPr>
+      </p:pic>
+      <p:pic>
+        <p:nvPicPr>
+          <p:cNvPr id="8" name="Picture 7" descr="Screen Shot 2018-05-06 at 6.07.55 PM.png"/>
+          <p:cNvPicPr>
+            <a:picLocks noChangeAspect="1"/>
+          </p:cNvPicPr>
+          <p:nvPr/>
+        </p:nvPicPr>
+        <p:blipFill>
+          <a:blip r:embed="rId5">
+            <a:extLst>
+              <a:ext uri="{28A0092B-C50C-407E-A947-70E740481C1C}">
+                <a14:useLocalDpi xmlns:a14="http://schemas.microsoft.com/office/drawing/2010/main" val="0"/>
+              </a:ext>
+            </a:extLst>
+          </a:blip>
+          <a:stretch>
+            <a:fillRect/>
+          </a:stretch>
+        </p:blipFill>
+        <p:spPr>
+          <a:xfrm>
+            <a:off x="12274" y="1608972"/>
+            <a:ext cx="3972293" cy="2348153"/>
+          </a:xfrm>
+          <a:prstGeom prst="rect">
+            <a:avLst/>
+          </a:prstGeom>
+        </p:spPr>
+      </p:pic>
+    </p:spTree>
+    <p:extLst>
+      <p:ext uri="{BB962C8B-B14F-4D97-AF65-F5344CB8AC3E}">
+        <p14:creationId xmlns:p14="http://schemas.microsoft.com/office/powerpoint/2010/main" val="1638730713"/>
+      </p:ext>
+    </p:extLst>
+  </p:cSld>
+  <p:clrMapOvr>
+    <a:masterClrMapping/>
+  </p:clrMapOvr>
+  <p:timing>
+    <p:tnLst>
+      <p:par>
+        <p:cTn xmlns:p14="http://schemas.microsoft.com/office/powerpoint/2010/main" id="1" dur="indefinite" restart="never" nodeType="tmRoot"/>
+      </p:par>
+    </p:tnLst>
+  </p:timing>
+</p:sld>
+</file>
+
+<file path=ppt/slides/slide8.xml><?xml version="1.0" encoding="utf-8"?>
+<p:sld xmlns:a="http://schemas.openxmlformats.org/drawingml/2006/main" xmlns:r="http://schemas.openxmlformats.org/officeDocument/2006/relationships" xmlns:p="http://schemas.openxmlformats.org/presentationml/2006/main">
+  <p:cSld>
+    <p:spTree>
+      <p:nvGrpSpPr>
+        <p:cNvPr id="1" name="Shape 188"/>
+        <p:cNvGrpSpPr/>
+        <p:nvPr/>
+      </p:nvGrpSpPr>
+      <p:grpSpPr>
+        <a:xfrm>
+          <a:off x="0" y="0"/>
+          <a:ext cx="0" cy="0"/>
+          <a:chOff x="0" y="0"/>
+          <a:chExt cx="0" cy="0"/>
+        </a:xfrm>
+      </p:grpSpPr>
+      <p:sp>
+        <p:nvSpPr>
+          <p:cNvPr id="189" name="Shape 189"/>
+          <p:cNvSpPr txBox="1">
+            <a:spLocks noGrp="1"/>
+          </p:cNvSpPr>
+          <p:nvPr>
+            <p:ph type="title"/>
+          </p:nvPr>
+        </p:nvSpPr>
+        <p:spPr>
+          <a:xfrm>
+            <a:off x="740655" y="392575"/>
+            <a:ext cx="6229128" cy="766200"/>
+          </a:xfrm>
+          <a:prstGeom prst="rect">
+            <a:avLst/>
+          </a:prstGeom>
+        </p:spPr>
+        <p:txBody>
+          <a:bodyPr wrap="square" lIns="91425" tIns="91425" rIns="91425" bIns="91425" anchor="ctr" anchorCtr="0">
+            <a:noAutofit/>
+          </a:bodyPr>
+          <a:lstStyle/>
+          <a:p>
+            <a:pPr lvl="0" rtl="0">
+              <a:spcBef>
+                <a:spcPts val="0"/>
+              </a:spcBef>
+              <a:buNone/>
+            </a:pPr>
+            <a:r>
+              <a:rPr lang="en-US" dirty="0" smtClean="0"/>
+              <a:t>Grouping </a:t>
+            </a:r>
+            <a:r>
+              <a:rPr lang="mr-IN" dirty="0" smtClean="0"/>
+              <a:t>–</a:t>
+            </a:r>
+            <a:r>
+              <a:rPr lang="en-US" dirty="0" smtClean="0"/>
+              <a:t> Protocol Extension, associatetype</a:t>
+            </a:r>
+            <a:endParaRPr lang="en" dirty="0"/>
+          </a:p>
+        </p:txBody>
+      </p:sp>
+      <p:sp>
+        <p:nvSpPr>
+          <p:cNvPr id="192" name="Shape 192"/>
+          <p:cNvSpPr txBox="1">
+            <a:spLocks noGrp="1"/>
+          </p:cNvSpPr>
+          <p:nvPr>
+            <p:ph type="sldNum" idx="12"/>
+          </p:nvPr>
+        </p:nvSpPr>
+        <p:spPr>
+          <a:xfrm>
+            <a:off x="7618000" y="4636500"/>
+            <a:ext cx="1487400" cy="315600"/>
+          </a:xfrm>
+          <a:prstGeom prst="rect">
+            <a:avLst/>
+          </a:prstGeom>
+        </p:spPr>
+        <p:txBody>
+          <a:bodyPr wrap="square" lIns="91425" tIns="91425" rIns="91425" bIns="91425" anchor="ctr" anchorCtr="0">
+            <a:noAutofit/>
+          </a:bodyPr>
+          <a:lstStyle/>
+          <a:p>
+            <a:pPr lvl="0">
+              <a:spcBef>
+                <a:spcPts val="0"/>
+              </a:spcBef>
+              <a:buNone/>
+            </a:pPr>
+            <a:fld id="{00000000-1234-1234-1234-123412341234}" type="slidenum">
+              <a:rPr lang="en"/>
+              <a:t>8</a:t>
+            </a:fld>
+            <a:endParaRPr lang="en"/>
+          </a:p>
+        </p:txBody>
+      </p:sp>
+      <p:pic>
+        <p:nvPicPr>
+          <p:cNvPr id="2" name="Picture 1" descr="Rx_Logo_M.png"/>
+          <p:cNvPicPr>
+            <a:picLocks noChangeAspect="1"/>
+          </p:cNvPicPr>
+          <p:nvPr/>
+        </p:nvPicPr>
+        <p:blipFill>
+          <a:blip r:embed="rId3">
+            <a:extLst>
+              <a:ext uri="{28A0092B-C50C-407E-A947-70E740481C1C}">
+                <a14:useLocalDpi xmlns:a14="http://schemas.microsoft.com/office/drawing/2010/main" val="0"/>
+              </a:ext>
+            </a:extLst>
+          </a:blip>
+          <a:stretch>
+            <a:fillRect/>
+          </a:stretch>
+        </p:blipFill>
+        <p:spPr>
+          <a:xfrm>
+            <a:off x="151129" y="442005"/>
+            <a:ext cx="663146" cy="663146"/>
+          </a:xfrm>
+          <a:prstGeom prst="rect">
+            <a:avLst/>
+          </a:prstGeom>
+        </p:spPr>
+      </p:pic>
+      <p:pic>
+        <p:nvPicPr>
           <p:cNvPr id="3" name="Picture 2" descr="Screen Shot 2018-05-06 at 6.10.38 PM.png"/>
           <p:cNvPicPr>
             <a:picLocks noChangeAspect="1"/>
@@ -5148,6 +5605,240 @@
     <p:extLst>
       <p:ext uri="{BB962C8B-B14F-4D97-AF65-F5344CB8AC3E}">
         <p14:creationId xmlns:p14="http://schemas.microsoft.com/office/powerpoint/2010/main" val="4046537579"/>
+      </p:ext>
+    </p:extLst>
+  </p:cSld>
+  <p:clrMapOvr>
+    <a:masterClrMapping/>
+  </p:clrMapOvr>
+  <p:timing>
+    <p:tnLst>
+      <p:par>
+        <p:cTn xmlns:p14="http://schemas.microsoft.com/office/powerpoint/2010/main" id="1" dur="indefinite" restart="never" nodeType="tmRoot"/>
+      </p:par>
+    </p:tnLst>
+  </p:timing>
+</p:sld>
+</file>
+
+<file path=ppt/slides/slide9.xml><?xml version="1.0" encoding="utf-8"?>
+<p:sld xmlns:a="http://schemas.openxmlformats.org/drawingml/2006/main" xmlns:r="http://schemas.openxmlformats.org/officeDocument/2006/relationships" xmlns:p="http://schemas.openxmlformats.org/presentationml/2006/main">
+  <p:cSld>
+    <p:spTree>
+      <p:nvGrpSpPr>
+        <p:cNvPr id="1" name="Shape 188"/>
+        <p:cNvGrpSpPr/>
+        <p:nvPr/>
+      </p:nvGrpSpPr>
+      <p:grpSpPr>
+        <a:xfrm>
+          <a:off x="0" y="0"/>
+          <a:ext cx="0" cy="0"/>
+          <a:chOff x="0" y="0"/>
+          <a:chExt cx="0" cy="0"/>
+        </a:xfrm>
+      </p:grpSpPr>
+      <p:sp>
+        <p:nvSpPr>
+          <p:cNvPr id="189" name="Shape 189"/>
+          <p:cNvSpPr txBox="1">
+            <a:spLocks noGrp="1"/>
+          </p:cNvSpPr>
+          <p:nvPr>
+            <p:ph type="title"/>
+          </p:nvPr>
+        </p:nvSpPr>
+        <p:spPr>
+          <a:xfrm>
+            <a:off x="884435" y="392575"/>
+            <a:ext cx="4139872" cy="766200"/>
+          </a:xfrm>
+          <a:prstGeom prst="rect">
+            <a:avLst/>
+          </a:prstGeom>
+        </p:spPr>
+        <p:txBody>
+          <a:bodyPr wrap="square" lIns="91425" tIns="91425" rIns="91425" bIns="91425" anchor="ctr" anchorCtr="0">
+            <a:noAutofit/>
+          </a:bodyPr>
+          <a:lstStyle/>
+          <a:p>
+            <a:pPr lvl="0" rtl="0">
+              <a:spcBef>
+                <a:spcPts val="0"/>
+              </a:spcBef>
+              <a:buNone/>
+            </a:pPr>
+            <a:r>
+              <a:rPr lang="en-US" dirty="0" err="1" smtClean="0"/>
+              <a:t>RxSwift</a:t>
+            </a:r>
+            <a:r>
+              <a:rPr lang="en-US" dirty="0" smtClean="0"/>
+              <a:t> </a:t>
+            </a:r>
+            <a:r>
+              <a:rPr lang="mr-IN" dirty="0" smtClean="0"/>
+              <a:t>–</a:t>
+            </a:r>
+            <a:r>
+              <a:rPr lang="en-US" dirty="0" smtClean="0"/>
+              <a:t> </a:t>
+            </a:r>
+            <a:r>
+              <a:rPr lang="en-US" dirty="0" err="1" smtClean="0"/>
+              <a:t>Reactive.swift</a:t>
+            </a:r>
+            <a:endParaRPr lang="en" dirty="0"/>
+          </a:p>
+        </p:txBody>
+      </p:sp>
+      <p:sp>
+        <p:nvSpPr>
+          <p:cNvPr id="192" name="Shape 192"/>
+          <p:cNvSpPr txBox="1">
+            <a:spLocks noGrp="1"/>
+          </p:cNvSpPr>
+          <p:nvPr>
+            <p:ph type="sldNum" idx="12"/>
+          </p:nvPr>
+        </p:nvSpPr>
+        <p:spPr>
+          <a:xfrm>
+            <a:off x="7618000" y="4636500"/>
+            <a:ext cx="1487400" cy="315600"/>
+          </a:xfrm>
+          <a:prstGeom prst="rect">
+            <a:avLst/>
+          </a:prstGeom>
+        </p:spPr>
+        <p:txBody>
+          <a:bodyPr wrap="square" lIns="91425" tIns="91425" rIns="91425" bIns="91425" anchor="ctr" anchorCtr="0">
+            <a:noAutofit/>
+          </a:bodyPr>
+          <a:lstStyle/>
+          <a:p>
+            <a:pPr lvl="0">
+              <a:spcBef>
+                <a:spcPts val="0"/>
+              </a:spcBef>
+              <a:buNone/>
+            </a:pPr>
+            <a:fld id="{00000000-1234-1234-1234-123412341234}" type="slidenum">
+              <a:rPr lang="en"/>
+              <a:t>9</a:t>
+            </a:fld>
+            <a:endParaRPr lang="en"/>
+          </a:p>
+        </p:txBody>
+      </p:sp>
+      <p:pic>
+        <p:nvPicPr>
+          <p:cNvPr id="2" name="Picture 1" descr="Rx_Logo_M.png"/>
+          <p:cNvPicPr>
+            <a:picLocks noChangeAspect="1"/>
+          </p:cNvPicPr>
+          <p:nvPr/>
+        </p:nvPicPr>
+        <p:blipFill>
+          <a:blip r:embed="rId3">
+            <a:extLst>
+              <a:ext uri="{28A0092B-C50C-407E-A947-70E740481C1C}">
+                <a14:useLocalDpi xmlns:a14="http://schemas.microsoft.com/office/drawing/2010/main" val="0"/>
+              </a:ext>
+            </a:extLst>
+          </a:blip>
+          <a:stretch>
+            <a:fillRect/>
+          </a:stretch>
+        </p:blipFill>
+        <p:spPr>
+          <a:xfrm>
+            <a:off x="151129" y="442005"/>
+            <a:ext cx="663146" cy="663146"/>
+          </a:xfrm>
+          <a:prstGeom prst="rect">
+            <a:avLst/>
+          </a:prstGeom>
+        </p:spPr>
+      </p:pic>
+      <p:sp>
+        <p:nvSpPr>
+          <p:cNvPr id="3" name="TextBox 2"/>
+          <p:cNvSpPr txBox="1"/>
+          <p:nvPr/>
+        </p:nvSpPr>
+        <p:spPr>
+          <a:xfrm>
+            <a:off x="516998" y="2535013"/>
+            <a:ext cx="8217104" cy="584776"/>
+          </a:xfrm>
+          <a:prstGeom prst="rect">
+            <a:avLst/>
+          </a:prstGeom>
+          <a:noFill/>
+        </p:spPr>
+        <p:txBody>
+          <a:bodyPr wrap="none" rtlCol="0">
+            <a:spAutoFit/>
+          </a:bodyPr>
+          <a:lstStyle/>
+          <a:p>
+            <a:endParaRPr lang="en-US" dirty="0" smtClean="0"/>
+          </a:p>
+          <a:p>
+            <a:r>
+              <a:rPr lang="en-US" sz="1800" b="1" i="1" dirty="0" smtClean="0"/>
+              <a:t>https</a:t>
+            </a:r>
+            <a:r>
+              <a:rPr lang="en-US" sz="1800" b="1" i="1" dirty="0"/>
+              <a:t>://</a:t>
+            </a:r>
+            <a:r>
+              <a:rPr lang="en-US" sz="1800" b="1" i="1" dirty="0" err="1"/>
+              <a:t>github.com</a:t>
+            </a:r>
+            <a:r>
+              <a:rPr lang="en-US" sz="1800" b="1" i="1" dirty="0"/>
+              <a:t>/</a:t>
+            </a:r>
+            <a:r>
+              <a:rPr lang="en-US" sz="1800" b="1" i="1" dirty="0" err="1"/>
+              <a:t>ReactiveX</a:t>
+            </a:r>
+            <a:r>
+              <a:rPr lang="en-US" sz="1800" b="1" i="1" dirty="0"/>
+              <a:t>/</a:t>
+            </a:r>
+            <a:r>
+              <a:rPr lang="en-US" sz="1800" b="1" i="1" dirty="0" err="1"/>
+              <a:t>RxSwift</a:t>
+            </a:r>
+            <a:r>
+              <a:rPr lang="en-US" sz="1800" b="1" i="1" dirty="0"/>
+              <a:t>/blob/master/</a:t>
+            </a:r>
+            <a:r>
+              <a:rPr lang="en-US" sz="1800" b="1" i="1" dirty="0" err="1"/>
+              <a:t>RxSwift</a:t>
+            </a:r>
+            <a:r>
+              <a:rPr lang="en-US" sz="1800" b="1" i="1" dirty="0"/>
+              <a:t>/</a:t>
+            </a:r>
+            <a:r>
+              <a:rPr lang="en-US" sz="1800" b="1" i="1" dirty="0" err="1"/>
+              <a:t>Reactive.swift</a:t>
+            </a:r>
+            <a:endParaRPr lang="en-US" sz="1800" b="1" i="1" dirty="0"/>
+          </a:p>
+        </p:txBody>
+      </p:sp>
+    </p:spTree>
+    <p:extLst>
+      <p:ext uri="{BB962C8B-B14F-4D97-AF65-F5344CB8AC3E}">
+        <p14:creationId xmlns:p14="http://schemas.microsoft.com/office/powerpoint/2010/main" val="1377121108"/>
       </p:ext>
     </p:extLst>
   </p:cSld>

--- a/AdvancedRxSwift/day2/AdvancedRxSwift2.pptx
+++ b/AdvancedRxSwift/day2/AdvancedRxSwift2.pptx
@@ -5,18 +5,21 @@
     <p:sldMasterId id="2147483657" r:id="rId1"/>
   </p:sldMasterIdLst>
   <p:notesMasterIdLst>
-    <p:notesMasterId r:id="rId11"/>
+    <p:notesMasterId r:id="rId14"/>
   </p:notesMasterIdLst>
   <p:sldIdLst>
     <p:sldId id="256" r:id="rId2"/>
     <p:sldId id="333" r:id="rId3"/>
-    <p:sldId id="339" r:id="rId4"/>
-    <p:sldId id="334" r:id="rId5"/>
-    <p:sldId id="335" r:id="rId6"/>
-    <p:sldId id="336" r:id="rId7"/>
-    <p:sldId id="337" r:id="rId8"/>
-    <p:sldId id="338" r:id="rId9"/>
-    <p:sldId id="340" r:id="rId10"/>
+    <p:sldId id="341" r:id="rId4"/>
+    <p:sldId id="342" r:id="rId5"/>
+    <p:sldId id="343" r:id="rId6"/>
+    <p:sldId id="339" r:id="rId7"/>
+    <p:sldId id="334" r:id="rId8"/>
+    <p:sldId id="335" r:id="rId9"/>
+    <p:sldId id="336" r:id="rId10"/>
+    <p:sldId id="337" r:id="rId11"/>
+    <p:sldId id="338" r:id="rId12"/>
+    <p:sldId id="340" r:id="rId13"/>
   </p:sldIdLst>
   <p:sldSz cx="9144000" cy="5143500" type="screen16x9"/>
   <p:notesSz cx="6858000" cy="9144000"/>
@@ -566,6 +569,309 @@
       <p:sp>
         <p:nvSpPr>
           <p:cNvPr id="182" name="Shape 182"/>
+          <p:cNvSpPr txBox="1">
+            <a:spLocks noGrp="1"/>
+          </p:cNvSpPr>
+          <p:nvPr>
+            <p:ph type="body" idx="1"/>
+          </p:nvPr>
+        </p:nvSpPr>
+        <p:spPr>
+          <a:xfrm>
+            <a:off x="685800" y="4343400"/>
+            <a:ext cx="5486400" cy="4114800"/>
+          </a:xfrm>
+          <a:prstGeom prst="rect">
+            <a:avLst/>
+          </a:prstGeom>
+        </p:spPr>
+        <p:txBody>
+          <a:bodyPr wrap="square" lIns="91425" tIns="91425" rIns="91425" bIns="91425" anchor="t" anchorCtr="0">
+            <a:noAutofit/>
+          </a:bodyPr>
+          <a:lstStyle/>
+          <a:p>
+            <a:pPr lvl="0">
+              <a:spcBef>
+                <a:spcPts val="0"/>
+              </a:spcBef>
+              <a:buNone/>
+            </a:pPr>
+            <a:endParaRPr/>
+          </a:p>
+        </p:txBody>
+      </p:sp>
+    </p:spTree>
+  </p:cSld>
+  <p:clrMapOvr>
+    <a:masterClrMapping/>
+  </p:clrMapOvr>
+</p:notes>
+</file>
+
+<file path=ppt/notesSlides/notesSlide10.xml><?xml version="1.0" encoding="utf-8"?>
+<p:notes xmlns:a="http://schemas.openxmlformats.org/drawingml/2006/main" xmlns:r="http://schemas.openxmlformats.org/officeDocument/2006/relationships" xmlns:p="http://schemas.openxmlformats.org/presentationml/2006/main" showMasterSp="0" showMasterPhAnim="0">
+  <p:cSld>
+    <p:spTree>
+      <p:nvGrpSpPr>
+        <p:cNvPr id="1" name="Shape 185"/>
+        <p:cNvGrpSpPr/>
+        <p:nvPr/>
+      </p:nvGrpSpPr>
+      <p:grpSpPr>
+        <a:xfrm>
+          <a:off x="0" y="0"/>
+          <a:ext cx="0" cy="0"/>
+          <a:chOff x="0" y="0"/>
+          <a:chExt cx="0" cy="0"/>
+        </a:xfrm>
+      </p:grpSpPr>
+      <p:sp>
+        <p:nvSpPr>
+          <p:cNvPr id="186" name="Shape 186"/>
+          <p:cNvSpPr>
+            <a:spLocks noGrp="1" noRot="1" noChangeAspect="1"/>
+          </p:cNvSpPr>
+          <p:nvPr>
+            <p:ph type="sldImg" idx="2"/>
+          </p:nvPr>
+        </p:nvSpPr>
+        <p:spPr>
+          <a:xfrm>
+            <a:off x="381000" y="685800"/>
+            <a:ext cx="6096000" cy="3429000"/>
+          </a:xfrm>
+          <a:custGeom>
+            <a:avLst/>
+            <a:gdLst/>
+            <a:ahLst/>
+            <a:cxnLst/>
+            <a:rect l="0" t="0" r="0" b="0"/>
+            <a:pathLst>
+              <a:path w="120000" h="120000" extrusionOk="0">
+                <a:moveTo>
+                  <a:pt x="0" y="0"/>
+                </a:moveTo>
+                <a:lnTo>
+                  <a:pt x="120000" y="0"/>
+                </a:lnTo>
+                <a:lnTo>
+                  <a:pt x="120000" y="120000"/>
+                </a:lnTo>
+                <a:lnTo>
+                  <a:pt x="0" y="120000"/>
+                </a:lnTo>
+                <a:close/>
+              </a:path>
+            </a:pathLst>
+          </a:custGeom>
+        </p:spPr>
+      </p:sp>
+      <p:sp>
+        <p:nvSpPr>
+          <p:cNvPr id="187" name="Shape 187"/>
+          <p:cNvSpPr txBox="1">
+            <a:spLocks noGrp="1"/>
+          </p:cNvSpPr>
+          <p:nvPr>
+            <p:ph type="body" idx="1"/>
+          </p:nvPr>
+        </p:nvSpPr>
+        <p:spPr>
+          <a:xfrm>
+            <a:off x="685800" y="4343400"/>
+            <a:ext cx="5486400" cy="4114800"/>
+          </a:xfrm>
+          <a:prstGeom prst="rect">
+            <a:avLst/>
+          </a:prstGeom>
+        </p:spPr>
+        <p:txBody>
+          <a:bodyPr wrap="square" lIns="91425" tIns="91425" rIns="91425" bIns="91425" anchor="t" anchorCtr="0">
+            <a:noAutofit/>
+          </a:bodyPr>
+          <a:lstStyle/>
+          <a:p>
+            <a:pPr lvl="0">
+              <a:spcBef>
+                <a:spcPts val="0"/>
+              </a:spcBef>
+              <a:buNone/>
+            </a:pPr>
+            <a:endParaRPr/>
+          </a:p>
+        </p:txBody>
+      </p:sp>
+    </p:spTree>
+  </p:cSld>
+  <p:clrMapOvr>
+    <a:masterClrMapping/>
+  </p:clrMapOvr>
+</p:notes>
+</file>
+
+<file path=ppt/notesSlides/notesSlide11.xml><?xml version="1.0" encoding="utf-8"?>
+<p:notes xmlns:a="http://schemas.openxmlformats.org/drawingml/2006/main" xmlns:r="http://schemas.openxmlformats.org/officeDocument/2006/relationships" xmlns:p="http://schemas.openxmlformats.org/presentationml/2006/main" showMasterSp="0" showMasterPhAnim="0">
+  <p:cSld>
+    <p:spTree>
+      <p:nvGrpSpPr>
+        <p:cNvPr id="1" name="Shape 185"/>
+        <p:cNvGrpSpPr/>
+        <p:nvPr/>
+      </p:nvGrpSpPr>
+      <p:grpSpPr>
+        <a:xfrm>
+          <a:off x="0" y="0"/>
+          <a:ext cx="0" cy="0"/>
+          <a:chOff x="0" y="0"/>
+          <a:chExt cx="0" cy="0"/>
+        </a:xfrm>
+      </p:grpSpPr>
+      <p:sp>
+        <p:nvSpPr>
+          <p:cNvPr id="186" name="Shape 186"/>
+          <p:cNvSpPr>
+            <a:spLocks noGrp="1" noRot="1" noChangeAspect="1"/>
+          </p:cNvSpPr>
+          <p:nvPr>
+            <p:ph type="sldImg" idx="2"/>
+          </p:nvPr>
+        </p:nvSpPr>
+        <p:spPr>
+          <a:xfrm>
+            <a:off x="381000" y="685800"/>
+            <a:ext cx="6096000" cy="3429000"/>
+          </a:xfrm>
+          <a:custGeom>
+            <a:avLst/>
+            <a:gdLst/>
+            <a:ahLst/>
+            <a:cxnLst/>
+            <a:rect l="0" t="0" r="0" b="0"/>
+            <a:pathLst>
+              <a:path w="120000" h="120000" extrusionOk="0">
+                <a:moveTo>
+                  <a:pt x="0" y="0"/>
+                </a:moveTo>
+                <a:lnTo>
+                  <a:pt x="120000" y="0"/>
+                </a:lnTo>
+                <a:lnTo>
+                  <a:pt x="120000" y="120000"/>
+                </a:lnTo>
+                <a:lnTo>
+                  <a:pt x="0" y="120000"/>
+                </a:lnTo>
+                <a:close/>
+              </a:path>
+            </a:pathLst>
+          </a:custGeom>
+        </p:spPr>
+      </p:sp>
+      <p:sp>
+        <p:nvSpPr>
+          <p:cNvPr id="187" name="Shape 187"/>
+          <p:cNvSpPr txBox="1">
+            <a:spLocks noGrp="1"/>
+          </p:cNvSpPr>
+          <p:nvPr>
+            <p:ph type="body" idx="1"/>
+          </p:nvPr>
+        </p:nvSpPr>
+        <p:spPr>
+          <a:xfrm>
+            <a:off x="685800" y="4343400"/>
+            <a:ext cx="5486400" cy="4114800"/>
+          </a:xfrm>
+          <a:prstGeom prst="rect">
+            <a:avLst/>
+          </a:prstGeom>
+        </p:spPr>
+        <p:txBody>
+          <a:bodyPr wrap="square" lIns="91425" tIns="91425" rIns="91425" bIns="91425" anchor="t" anchorCtr="0">
+            <a:noAutofit/>
+          </a:bodyPr>
+          <a:lstStyle/>
+          <a:p>
+            <a:pPr lvl="0">
+              <a:spcBef>
+                <a:spcPts val="0"/>
+              </a:spcBef>
+              <a:buNone/>
+            </a:pPr>
+            <a:endParaRPr/>
+          </a:p>
+        </p:txBody>
+      </p:sp>
+    </p:spTree>
+  </p:cSld>
+  <p:clrMapOvr>
+    <a:masterClrMapping/>
+  </p:clrMapOvr>
+</p:notes>
+</file>
+
+<file path=ppt/notesSlides/notesSlide12.xml><?xml version="1.0" encoding="utf-8"?>
+<p:notes xmlns:a="http://schemas.openxmlformats.org/drawingml/2006/main" xmlns:r="http://schemas.openxmlformats.org/officeDocument/2006/relationships" xmlns:p="http://schemas.openxmlformats.org/presentationml/2006/main" showMasterSp="0" showMasterPhAnim="0">
+  <p:cSld>
+    <p:spTree>
+      <p:nvGrpSpPr>
+        <p:cNvPr id="1" name="Shape 185"/>
+        <p:cNvGrpSpPr/>
+        <p:nvPr/>
+      </p:nvGrpSpPr>
+      <p:grpSpPr>
+        <a:xfrm>
+          <a:off x="0" y="0"/>
+          <a:ext cx="0" cy="0"/>
+          <a:chOff x="0" y="0"/>
+          <a:chExt cx="0" cy="0"/>
+        </a:xfrm>
+      </p:grpSpPr>
+      <p:sp>
+        <p:nvSpPr>
+          <p:cNvPr id="186" name="Shape 186"/>
+          <p:cNvSpPr>
+            <a:spLocks noGrp="1" noRot="1" noChangeAspect="1"/>
+          </p:cNvSpPr>
+          <p:nvPr>
+            <p:ph type="sldImg" idx="2"/>
+          </p:nvPr>
+        </p:nvSpPr>
+        <p:spPr>
+          <a:xfrm>
+            <a:off x="381000" y="685800"/>
+            <a:ext cx="6096000" cy="3429000"/>
+          </a:xfrm>
+          <a:custGeom>
+            <a:avLst/>
+            <a:gdLst/>
+            <a:ahLst/>
+            <a:cxnLst/>
+            <a:rect l="0" t="0" r="0" b="0"/>
+            <a:pathLst>
+              <a:path w="120000" h="120000" extrusionOk="0">
+                <a:moveTo>
+                  <a:pt x="0" y="0"/>
+                </a:moveTo>
+                <a:lnTo>
+                  <a:pt x="120000" y="0"/>
+                </a:lnTo>
+                <a:lnTo>
+                  <a:pt x="120000" y="120000"/>
+                </a:lnTo>
+                <a:lnTo>
+                  <a:pt x="0" y="120000"/>
+                </a:lnTo>
+                <a:close/>
+              </a:path>
+            </a:pathLst>
+          </a:custGeom>
+        </p:spPr>
+      </p:sp>
+      <p:sp>
+        <p:nvSpPr>
+          <p:cNvPr id="187" name="Shape 187"/>
           <p:cNvSpPr txBox="1">
             <a:spLocks noGrp="1"/>
           </p:cNvSpPr>
@@ -4086,6 +4392,666 @@
 </p:sld>
 </file>
 
+<file path=ppt/slides/slide10.xml><?xml version="1.0" encoding="utf-8"?>
+<p:sld xmlns:a="http://schemas.openxmlformats.org/drawingml/2006/main" xmlns:r="http://schemas.openxmlformats.org/officeDocument/2006/relationships" xmlns:p="http://schemas.openxmlformats.org/presentationml/2006/main">
+  <p:cSld>
+    <p:spTree>
+      <p:nvGrpSpPr>
+        <p:cNvPr id="1" name="Shape 188"/>
+        <p:cNvGrpSpPr/>
+        <p:nvPr/>
+      </p:nvGrpSpPr>
+      <p:grpSpPr>
+        <a:xfrm>
+          <a:off x="0" y="0"/>
+          <a:ext cx="0" cy="0"/>
+          <a:chOff x="0" y="0"/>
+          <a:chExt cx="0" cy="0"/>
+        </a:xfrm>
+      </p:grpSpPr>
+      <p:sp>
+        <p:nvSpPr>
+          <p:cNvPr id="189" name="Shape 189"/>
+          <p:cNvSpPr txBox="1">
+            <a:spLocks noGrp="1"/>
+          </p:cNvSpPr>
+          <p:nvPr>
+            <p:ph type="title"/>
+          </p:nvPr>
+        </p:nvSpPr>
+        <p:spPr>
+          <a:xfrm>
+            <a:off x="740655" y="392575"/>
+            <a:ext cx="6229128" cy="766200"/>
+          </a:xfrm>
+          <a:prstGeom prst="rect">
+            <a:avLst/>
+          </a:prstGeom>
+        </p:spPr>
+        <p:txBody>
+          <a:bodyPr wrap="square" lIns="91425" tIns="91425" rIns="91425" bIns="91425" anchor="ctr" anchorCtr="0">
+            <a:noAutofit/>
+          </a:bodyPr>
+          <a:lstStyle/>
+          <a:p>
+            <a:pPr lvl="0" rtl="0">
+              <a:spcBef>
+                <a:spcPts val="0"/>
+              </a:spcBef>
+              <a:buNone/>
+            </a:pPr>
+            <a:r>
+              <a:rPr lang="en-US" dirty="0" smtClean="0"/>
+              <a:t>Grouping </a:t>
+            </a:r>
+            <a:r>
+              <a:rPr lang="mr-IN" dirty="0" smtClean="0"/>
+              <a:t>–</a:t>
+            </a:r>
+            <a:r>
+              <a:rPr lang="en-US" dirty="0" smtClean="0"/>
+              <a:t> Protocol Extension, associatetype</a:t>
+            </a:r>
+            <a:endParaRPr lang="en" dirty="0"/>
+          </a:p>
+        </p:txBody>
+      </p:sp>
+      <p:sp>
+        <p:nvSpPr>
+          <p:cNvPr id="192" name="Shape 192"/>
+          <p:cNvSpPr txBox="1">
+            <a:spLocks noGrp="1"/>
+          </p:cNvSpPr>
+          <p:nvPr>
+            <p:ph type="sldNum" idx="12"/>
+          </p:nvPr>
+        </p:nvSpPr>
+        <p:spPr>
+          <a:xfrm>
+            <a:off x="7618000" y="4636500"/>
+            <a:ext cx="1487400" cy="315600"/>
+          </a:xfrm>
+          <a:prstGeom prst="rect">
+            <a:avLst/>
+          </a:prstGeom>
+        </p:spPr>
+        <p:txBody>
+          <a:bodyPr wrap="square" lIns="91425" tIns="91425" rIns="91425" bIns="91425" anchor="ctr" anchorCtr="0">
+            <a:noAutofit/>
+          </a:bodyPr>
+          <a:lstStyle/>
+          <a:p>
+            <a:pPr lvl="0">
+              <a:spcBef>
+                <a:spcPts val="0"/>
+              </a:spcBef>
+              <a:buNone/>
+            </a:pPr>
+            <a:fld id="{00000000-1234-1234-1234-123412341234}" type="slidenum">
+              <a:rPr lang="en"/>
+              <a:t>10</a:t>
+            </a:fld>
+            <a:endParaRPr lang="en"/>
+          </a:p>
+        </p:txBody>
+      </p:sp>
+      <p:pic>
+        <p:nvPicPr>
+          <p:cNvPr id="2" name="Picture 1" descr="Rx_Logo_M.png"/>
+          <p:cNvPicPr>
+            <a:picLocks noChangeAspect="1"/>
+          </p:cNvPicPr>
+          <p:nvPr/>
+        </p:nvPicPr>
+        <p:blipFill>
+          <a:blip r:embed="rId3">
+            <a:extLst>
+              <a:ext uri="{28A0092B-C50C-407E-A947-70E740481C1C}">
+                <a14:useLocalDpi xmlns:a14="http://schemas.microsoft.com/office/drawing/2010/main" val="0"/>
+              </a:ext>
+            </a:extLst>
+          </a:blip>
+          <a:stretch>
+            <a:fillRect/>
+          </a:stretch>
+        </p:blipFill>
+        <p:spPr>
+          <a:xfrm>
+            <a:off x="151129" y="442005"/>
+            <a:ext cx="663146" cy="663146"/>
+          </a:xfrm>
+          <a:prstGeom prst="rect">
+            <a:avLst/>
+          </a:prstGeom>
+        </p:spPr>
+      </p:pic>
+      <p:pic>
+        <p:nvPicPr>
+          <p:cNvPr id="7" name="Picture 6" descr="Screen Shot 2018-05-06 at 6.06.38 PM.png"/>
+          <p:cNvPicPr>
+            <a:picLocks noChangeAspect="1"/>
+          </p:cNvPicPr>
+          <p:nvPr/>
+        </p:nvPicPr>
+        <p:blipFill>
+          <a:blip r:embed="rId4">
+            <a:extLst>
+              <a:ext uri="{28A0092B-C50C-407E-A947-70E740481C1C}">
+                <a14:useLocalDpi xmlns:a14="http://schemas.microsoft.com/office/drawing/2010/main" val="0"/>
+              </a:ext>
+            </a:extLst>
+          </a:blip>
+          <a:stretch>
+            <a:fillRect/>
+          </a:stretch>
+        </p:blipFill>
+        <p:spPr>
+          <a:xfrm>
+            <a:off x="4020316" y="1429473"/>
+            <a:ext cx="5127054" cy="3036865"/>
+          </a:xfrm>
+          <a:prstGeom prst="rect">
+            <a:avLst/>
+          </a:prstGeom>
+        </p:spPr>
+      </p:pic>
+      <p:pic>
+        <p:nvPicPr>
+          <p:cNvPr id="8" name="Picture 7" descr="Screen Shot 2018-05-06 at 6.07.55 PM.png"/>
+          <p:cNvPicPr>
+            <a:picLocks noChangeAspect="1"/>
+          </p:cNvPicPr>
+          <p:nvPr/>
+        </p:nvPicPr>
+        <p:blipFill>
+          <a:blip r:embed="rId5">
+            <a:extLst>
+              <a:ext uri="{28A0092B-C50C-407E-A947-70E740481C1C}">
+                <a14:useLocalDpi xmlns:a14="http://schemas.microsoft.com/office/drawing/2010/main" val="0"/>
+              </a:ext>
+            </a:extLst>
+          </a:blip>
+          <a:stretch>
+            <a:fillRect/>
+          </a:stretch>
+        </p:blipFill>
+        <p:spPr>
+          <a:xfrm>
+            <a:off x="12274" y="1608972"/>
+            <a:ext cx="3972293" cy="2348153"/>
+          </a:xfrm>
+          <a:prstGeom prst="rect">
+            <a:avLst/>
+          </a:prstGeom>
+        </p:spPr>
+      </p:pic>
+    </p:spTree>
+    <p:extLst>
+      <p:ext uri="{BB962C8B-B14F-4D97-AF65-F5344CB8AC3E}">
+        <p14:creationId xmlns:p14="http://schemas.microsoft.com/office/powerpoint/2010/main" val="1638730713"/>
+      </p:ext>
+    </p:extLst>
+  </p:cSld>
+  <p:clrMapOvr>
+    <a:masterClrMapping/>
+  </p:clrMapOvr>
+  <p:timing>
+    <p:tnLst>
+      <p:par>
+        <p:cTn xmlns:p14="http://schemas.microsoft.com/office/powerpoint/2010/main" id="1" dur="indefinite" restart="never" nodeType="tmRoot"/>
+      </p:par>
+    </p:tnLst>
+  </p:timing>
+</p:sld>
+</file>
+
+<file path=ppt/slides/slide11.xml><?xml version="1.0" encoding="utf-8"?>
+<p:sld xmlns:a="http://schemas.openxmlformats.org/drawingml/2006/main" xmlns:r="http://schemas.openxmlformats.org/officeDocument/2006/relationships" xmlns:p="http://schemas.openxmlformats.org/presentationml/2006/main">
+  <p:cSld>
+    <p:spTree>
+      <p:nvGrpSpPr>
+        <p:cNvPr id="1" name="Shape 188"/>
+        <p:cNvGrpSpPr/>
+        <p:nvPr/>
+      </p:nvGrpSpPr>
+      <p:grpSpPr>
+        <a:xfrm>
+          <a:off x="0" y="0"/>
+          <a:ext cx="0" cy="0"/>
+          <a:chOff x="0" y="0"/>
+          <a:chExt cx="0" cy="0"/>
+        </a:xfrm>
+      </p:grpSpPr>
+      <p:sp>
+        <p:nvSpPr>
+          <p:cNvPr id="189" name="Shape 189"/>
+          <p:cNvSpPr txBox="1">
+            <a:spLocks noGrp="1"/>
+          </p:cNvSpPr>
+          <p:nvPr>
+            <p:ph type="title"/>
+          </p:nvPr>
+        </p:nvSpPr>
+        <p:spPr>
+          <a:xfrm>
+            <a:off x="740655" y="392575"/>
+            <a:ext cx="6229128" cy="766200"/>
+          </a:xfrm>
+          <a:prstGeom prst="rect">
+            <a:avLst/>
+          </a:prstGeom>
+        </p:spPr>
+        <p:txBody>
+          <a:bodyPr wrap="square" lIns="91425" tIns="91425" rIns="91425" bIns="91425" anchor="ctr" anchorCtr="0">
+            <a:noAutofit/>
+          </a:bodyPr>
+          <a:lstStyle/>
+          <a:p>
+            <a:pPr lvl="0" rtl="0">
+              <a:spcBef>
+                <a:spcPts val="0"/>
+              </a:spcBef>
+              <a:buNone/>
+            </a:pPr>
+            <a:r>
+              <a:rPr lang="en-US" dirty="0" smtClean="0"/>
+              <a:t>Grouping </a:t>
+            </a:r>
+            <a:r>
+              <a:rPr lang="mr-IN" dirty="0" smtClean="0"/>
+              <a:t>–</a:t>
+            </a:r>
+            <a:r>
+              <a:rPr lang="en-US" dirty="0" smtClean="0"/>
+              <a:t> Protocol Extension, associatetype</a:t>
+            </a:r>
+            <a:endParaRPr lang="en" dirty="0"/>
+          </a:p>
+        </p:txBody>
+      </p:sp>
+      <p:sp>
+        <p:nvSpPr>
+          <p:cNvPr id="192" name="Shape 192"/>
+          <p:cNvSpPr txBox="1">
+            <a:spLocks noGrp="1"/>
+          </p:cNvSpPr>
+          <p:nvPr>
+            <p:ph type="sldNum" idx="12"/>
+          </p:nvPr>
+        </p:nvSpPr>
+        <p:spPr>
+          <a:xfrm>
+            <a:off x="7618000" y="4636500"/>
+            <a:ext cx="1487400" cy="315600"/>
+          </a:xfrm>
+          <a:prstGeom prst="rect">
+            <a:avLst/>
+          </a:prstGeom>
+        </p:spPr>
+        <p:txBody>
+          <a:bodyPr wrap="square" lIns="91425" tIns="91425" rIns="91425" bIns="91425" anchor="ctr" anchorCtr="0">
+            <a:noAutofit/>
+          </a:bodyPr>
+          <a:lstStyle/>
+          <a:p>
+            <a:pPr lvl="0">
+              <a:spcBef>
+                <a:spcPts val="0"/>
+              </a:spcBef>
+              <a:buNone/>
+            </a:pPr>
+            <a:fld id="{00000000-1234-1234-1234-123412341234}" type="slidenum">
+              <a:rPr lang="en"/>
+              <a:t>11</a:t>
+            </a:fld>
+            <a:endParaRPr lang="en"/>
+          </a:p>
+        </p:txBody>
+      </p:sp>
+      <p:pic>
+        <p:nvPicPr>
+          <p:cNvPr id="2" name="Picture 1" descr="Rx_Logo_M.png"/>
+          <p:cNvPicPr>
+            <a:picLocks noChangeAspect="1"/>
+          </p:cNvPicPr>
+          <p:nvPr/>
+        </p:nvPicPr>
+        <p:blipFill>
+          <a:blip r:embed="rId3">
+            <a:extLst>
+              <a:ext uri="{28A0092B-C50C-407E-A947-70E740481C1C}">
+                <a14:useLocalDpi xmlns:a14="http://schemas.microsoft.com/office/drawing/2010/main" val="0"/>
+              </a:ext>
+            </a:extLst>
+          </a:blip>
+          <a:stretch>
+            <a:fillRect/>
+          </a:stretch>
+        </p:blipFill>
+        <p:spPr>
+          <a:xfrm>
+            <a:off x="151129" y="442005"/>
+            <a:ext cx="663146" cy="663146"/>
+          </a:xfrm>
+          <a:prstGeom prst="rect">
+            <a:avLst/>
+          </a:prstGeom>
+        </p:spPr>
+      </p:pic>
+      <p:pic>
+        <p:nvPicPr>
+          <p:cNvPr id="3" name="Picture 2" descr="Screen Shot 2018-05-06 at 6.10.38 PM.png"/>
+          <p:cNvPicPr>
+            <a:picLocks noChangeAspect="1"/>
+          </p:cNvPicPr>
+          <p:nvPr/>
+        </p:nvPicPr>
+        <p:blipFill>
+          <a:blip r:embed="rId4">
+            <a:extLst>
+              <a:ext uri="{28A0092B-C50C-407E-A947-70E740481C1C}">
+                <a14:useLocalDpi xmlns:a14="http://schemas.microsoft.com/office/drawing/2010/main" val="0"/>
+              </a:ext>
+            </a:extLst>
+          </a:blip>
+          <a:stretch>
+            <a:fillRect/>
+          </a:stretch>
+        </p:blipFill>
+        <p:spPr>
+          <a:xfrm>
+            <a:off x="151129" y="1474961"/>
+            <a:ext cx="5181600" cy="2387600"/>
+          </a:xfrm>
+          <a:prstGeom prst="rect">
+            <a:avLst/>
+          </a:prstGeom>
+        </p:spPr>
+      </p:pic>
+      <p:pic>
+        <p:nvPicPr>
+          <p:cNvPr id="4" name="Picture 3" descr="Screen Shot 2018-05-06 at 6.10.51 PM.png"/>
+          <p:cNvPicPr>
+            <a:picLocks noChangeAspect="1"/>
+          </p:cNvPicPr>
+          <p:nvPr/>
+        </p:nvPicPr>
+        <p:blipFill>
+          <a:blip r:embed="rId5">
+            <a:extLst>
+              <a:ext uri="{28A0092B-C50C-407E-A947-70E740481C1C}">
+                <a14:useLocalDpi xmlns:a14="http://schemas.microsoft.com/office/drawing/2010/main" val="0"/>
+              </a:ext>
+            </a:extLst>
+          </a:blip>
+          <a:stretch>
+            <a:fillRect/>
+          </a:stretch>
+        </p:blipFill>
+        <p:spPr>
+          <a:xfrm>
+            <a:off x="151129" y="4339124"/>
+            <a:ext cx="3136900" cy="533400"/>
+          </a:xfrm>
+          <a:prstGeom prst="rect">
+            <a:avLst/>
+          </a:prstGeom>
+        </p:spPr>
+      </p:pic>
+    </p:spTree>
+    <p:extLst>
+      <p:ext uri="{BB962C8B-B14F-4D97-AF65-F5344CB8AC3E}">
+        <p14:creationId xmlns:p14="http://schemas.microsoft.com/office/powerpoint/2010/main" val="4046537579"/>
+      </p:ext>
+    </p:extLst>
+  </p:cSld>
+  <p:clrMapOvr>
+    <a:masterClrMapping/>
+  </p:clrMapOvr>
+  <p:timing>
+    <p:tnLst>
+      <p:par>
+        <p:cTn xmlns:p14="http://schemas.microsoft.com/office/powerpoint/2010/main" id="1" dur="indefinite" restart="never" nodeType="tmRoot"/>
+      </p:par>
+    </p:tnLst>
+  </p:timing>
+</p:sld>
+</file>
+
+<file path=ppt/slides/slide12.xml><?xml version="1.0" encoding="utf-8"?>
+<p:sld xmlns:a="http://schemas.openxmlformats.org/drawingml/2006/main" xmlns:r="http://schemas.openxmlformats.org/officeDocument/2006/relationships" xmlns:p="http://schemas.openxmlformats.org/presentationml/2006/main">
+  <p:cSld>
+    <p:spTree>
+      <p:nvGrpSpPr>
+        <p:cNvPr id="1" name="Shape 188"/>
+        <p:cNvGrpSpPr/>
+        <p:nvPr/>
+      </p:nvGrpSpPr>
+      <p:grpSpPr>
+        <a:xfrm>
+          <a:off x="0" y="0"/>
+          <a:ext cx="0" cy="0"/>
+          <a:chOff x="0" y="0"/>
+          <a:chExt cx="0" cy="0"/>
+        </a:xfrm>
+      </p:grpSpPr>
+      <p:sp>
+        <p:nvSpPr>
+          <p:cNvPr id="189" name="Shape 189"/>
+          <p:cNvSpPr txBox="1">
+            <a:spLocks noGrp="1"/>
+          </p:cNvSpPr>
+          <p:nvPr>
+            <p:ph type="title"/>
+          </p:nvPr>
+        </p:nvSpPr>
+        <p:spPr>
+          <a:xfrm>
+            <a:off x="884435" y="392575"/>
+            <a:ext cx="4139872" cy="766200"/>
+          </a:xfrm>
+          <a:prstGeom prst="rect">
+            <a:avLst/>
+          </a:prstGeom>
+        </p:spPr>
+        <p:txBody>
+          <a:bodyPr wrap="square" lIns="91425" tIns="91425" rIns="91425" bIns="91425" anchor="ctr" anchorCtr="0">
+            <a:noAutofit/>
+          </a:bodyPr>
+          <a:lstStyle/>
+          <a:p>
+            <a:pPr lvl="0" rtl="0">
+              <a:spcBef>
+                <a:spcPts val="0"/>
+              </a:spcBef>
+              <a:buNone/>
+            </a:pPr>
+            <a:r>
+              <a:rPr lang="en-US" dirty="0" err="1" smtClean="0"/>
+              <a:t>RxSwift</a:t>
+            </a:r>
+            <a:r>
+              <a:rPr lang="en-US" dirty="0" smtClean="0"/>
+              <a:t> </a:t>
+            </a:r>
+            <a:r>
+              <a:rPr lang="mr-IN" dirty="0" smtClean="0"/>
+              <a:t>–</a:t>
+            </a:r>
+            <a:r>
+              <a:rPr lang="en-US" dirty="0" smtClean="0"/>
+              <a:t> </a:t>
+            </a:r>
+            <a:r>
+              <a:rPr lang="en-US" dirty="0" err="1" smtClean="0"/>
+              <a:t>Reactive.swift</a:t>
+            </a:r>
+            <a:endParaRPr lang="en" dirty="0"/>
+          </a:p>
+        </p:txBody>
+      </p:sp>
+      <p:sp>
+        <p:nvSpPr>
+          <p:cNvPr id="192" name="Shape 192"/>
+          <p:cNvSpPr txBox="1">
+            <a:spLocks noGrp="1"/>
+          </p:cNvSpPr>
+          <p:nvPr>
+            <p:ph type="sldNum" idx="12"/>
+          </p:nvPr>
+        </p:nvSpPr>
+        <p:spPr>
+          <a:xfrm>
+            <a:off x="7618000" y="4636500"/>
+            <a:ext cx="1487400" cy="315600"/>
+          </a:xfrm>
+          <a:prstGeom prst="rect">
+            <a:avLst/>
+          </a:prstGeom>
+        </p:spPr>
+        <p:txBody>
+          <a:bodyPr wrap="square" lIns="91425" tIns="91425" rIns="91425" bIns="91425" anchor="ctr" anchorCtr="0">
+            <a:noAutofit/>
+          </a:bodyPr>
+          <a:lstStyle/>
+          <a:p>
+            <a:pPr lvl="0">
+              <a:spcBef>
+                <a:spcPts val="0"/>
+              </a:spcBef>
+              <a:buNone/>
+            </a:pPr>
+            <a:fld id="{00000000-1234-1234-1234-123412341234}" type="slidenum">
+              <a:rPr lang="en"/>
+              <a:t>12</a:t>
+            </a:fld>
+            <a:endParaRPr lang="en"/>
+          </a:p>
+        </p:txBody>
+      </p:sp>
+      <p:pic>
+        <p:nvPicPr>
+          <p:cNvPr id="2" name="Picture 1" descr="Rx_Logo_M.png"/>
+          <p:cNvPicPr>
+            <a:picLocks noChangeAspect="1"/>
+          </p:cNvPicPr>
+          <p:nvPr/>
+        </p:nvPicPr>
+        <p:blipFill>
+          <a:blip r:embed="rId3">
+            <a:extLst>
+              <a:ext uri="{28A0092B-C50C-407E-A947-70E740481C1C}">
+                <a14:useLocalDpi xmlns:a14="http://schemas.microsoft.com/office/drawing/2010/main" val="0"/>
+              </a:ext>
+            </a:extLst>
+          </a:blip>
+          <a:stretch>
+            <a:fillRect/>
+          </a:stretch>
+        </p:blipFill>
+        <p:spPr>
+          <a:xfrm>
+            <a:off x="151129" y="442005"/>
+            <a:ext cx="663146" cy="663146"/>
+          </a:xfrm>
+          <a:prstGeom prst="rect">
+            <a:avLst/>
+          </a:prstGeom>
+        </p:spPr>
+      </p:pic>
+      <p:sp>
+        <p:nvSpPr>
+          <p:cNvPr id="3" name="TextBox 2"/>
+          <p:cNvSpPr txBox="1"/>
+          <p:nvPr/>
+        </p:nvSpPr>
+        <p:spPr>
+          <a:xfrm>
+            <a:off x="516998" y="2535013"/>
+            <a:ext cx="8217104" cy="584776"/>
+          </a:xfrm>
+          <a:prstGeom prst="rect">
+            <a:avLst/>
+          </a:prstGeom>
+          <a:noFill/>
+        </p:spPr>
+        <p:txBody>
+          <a:bodyPr wrap="none" rtlCol="0">
+            <a:spAutoFit/>
+          </a:bodyPr>
+          <a:lstStyle/>
+          <a:p>
+            <a:endParaRPr lang="en-US" dirty="0" smtClean="0"/>
+          </a:p>
+          <a:p>
+            <a:r>
+              <a:rPr lang="en-US" sz="1800" b="1" i="1" dirty="0" smtClean="0"/>
+              <a:t>https</a:t>
+            </a:r>
+            <a:r>
+              <a:rPr lang="en-US" sz="1800" b="1" i="1" dirty="0"/>
+              <a:t>://</a:t>
+            </a:r>
+            <a:r>
+              <a:rPr lang="en-US" sz="1800" b="1" i="1" dirty="0" err="1"/>
+              <a:t>github.com</a:t>
+            </a:r>
+            <a:r>
+              <a:rPr lang="en-US" sz="1800" b="1" i="1" dirty="0"/>
+              <a:t>/</a:t>
+            </a:r>
+            <a:r>
+              <a:rPr lang="en-US" sz="1800" b="1" i="1" dirty="0" err="1"/>
+              <a:t>ReactiveX</a:t>
+            </a:r>
+            <a:r>
+              <a:rPr lang="en-US" sz="1800" b="1" i="1" dirty="0"/>
+              <a:t>/</a:t>
+            </a:r>
+            <a:r>
+              <a:rPr lang="en-US" sz="1800" b="1" i="1" dirty="0" err="1"/>
+              <a:t>RxSwift</a:t>
+            </a:r>
+            <a:r>
+              <a:rPr lang="en-US" sz="1800" b="1" i="1" dirty="0"/>
+              <a:t>/blob/master/</a:t>
+            </a:r>
+            <a:r>
+              <a:rPr lang="en-US" sz="1800" b="1" i="1" dirty="0" err="1"/>
+              <a:t>RxSwift</a:t>
+            </a:r>
+            <a:r>
+              <a:rPr lang="en-US" sz="1800" b="1" i="1" dirty="0"/>
+              <a:t>/</a:t>
+            </a:r>
+            <a:r>
+              <a:rPr lang="en-US" sz="1800" b="1" i="1" dirty="0" err="1"/>
+              <a:t>Reactive.swift</a:t>
+            </a:r>
+            <a:endParaRPr lang="en-US" sz="1800" b="1" i="1" dirty="0"/>
+          </a:p>
+        </p:txBody>
+      </p:sp>
+    </p:spTree>
+    <p:extLst>
+      <p:ext uri="{BB962C8B-B14F-4D97-AF65-F5344CB8AC3E}">
+        <p14:creationId xmlns:p14="http://schemas.microsoft.com/office/powerpoint/2010/main" val="1377121108"/>
+      </p:ext>
+    </p:extLst>
+  </p:cSld>
+  <p:clrMapOvr>
+    <a:masterClrMapping/>
+  </p:clrMapOvr>
+  <p:timing>
+    <p:tnLst>
+      <p:par>
+        <p:cTn xmlns:p14="http://schemas.microsoft.com/office/powerpoint/2010/main" id="1" dur="indefinite" restart="never" nodeType="tmRoot"/>
+      </p:par>
+    </p:tnLst>
+  </p:timing>
+</p:sld>
+</file>
+
 <file path=ppt/slides/slide2.xml><?xml version="1.0" encoding="utf-8"?>
 <p:sld xmlns:a="http://schemas.openxmlformats.org/drawingml/2006/main" xmlns:r="http://schemas.openxmlformats.org/officeDocument/2006/relationships" xmlns:p="http://schemas.openxmlformats.org/presentationml/2006/main">
   <p:cSld>
@@ -4360,6 +5326,36 @@
           <a:chExt cx="0" cy="0"/>
         </a:xfrm>
       </p:grpSpPr>
+      <p:pic>
+        <p:nvPicPr>
+          <p:cNvPr id="4" name="Picture 3" descr="Screen Shot 2018-05-20 at 6.02.42 PM.png"/>
+          <p:cNvPicPr>
+            <a:picLocks noChangeAspect="1"/>
+          </p:cNvPicPr>
+          <p:nvPr/>
+        </p:nvPicPr>
+        <p:blipFill>
+          <a:blip r:embed="rId3">
+            <a:extLst>
+              <a:ext uri="{28A0092B-C50C-407E-A947-70E740481C1C}">
+                <a14:useLocalDpi xmlns:a14="http://schemas.microsoft.com/office/drawing/2010/main" val="0"/>
+              </a:ext>
+            </a:extLst>
+          </a:blip>
+          <a:stretch>
+            <a:fillRect/>
+          </a:stretch>
+        </p:blipFill>
+        <p:spPr>
+          <a:xfrm>
+            <a:off x="151129" y="1253243"/>
+            <a:ext cx="7204969" cy="3890257"/>
+          </a:xfrm>
+          <a:prstGeom prst="rect">
+            <a:avLst/>
+          </a:prstGeom>
+        </p:spPr>
+      </p:pic>
       <p:sp>
         <p:nvSpPr>
           <p:cNvPr id="189" name="Shape 189"/>
@@ -4372,8 +5368,8 @@
         </p:nvSpPr>
         <p:spPr>
           <a:xfrm>
-            <a:off x="740655" y="392575"/>
-            <a:ext cx="6229128" cy="766200"/>
+            <a:off x="1052178" y="392575"/>
+            <a:ext cx="4539261" cy="766200"/>
           </a:xfrm>
           <a:prstGeom prst="rect">
             <a:avLst/>
@@ -4393,7 +5389,7 @@
             </a:pPr>
             <a:r>
               <a:rPr lang="en-US" dirty="0" smtClean="0"/>
-              <a:t>Grouping </a:t>
+              <a:t>Protocol </a:t>
             </a:r>
             <a:r>
               <a:rPr lang="mr-IN" dirty="0" smtClean="0"/>
@@ -4401,7 +5397,7 @@
             </a:r>
             <a:r>
               <a:rPr lang="en-US" dirty="0" smtClean="0"/>
-              <a:t> Protocol Extension, associatetype</a:t>
+              <a:t> Example 1</a:t>
             </a:r>
             <a:endParaRPr lang="en" dirty="0"/>
           </a:p>
@@ -4455,36 +5451,6 @@
           <p:nvPr/>
         </p:nvPicPr>
         <p:blipFill>
-          <a:blip r:embed="rId3">
-            <a:extLst>
-              <a:ext uri="{28A0092B-C50C-407E-A947-70E740481C1C}">
-                <a14:useLocalDpi xmlns:a14="http://schemas.microsoft.com/office/drawing/2010/main" val="0"/>
-              </a:ext>
-            </a:extLst>
-          </a:blip>
-          <a:stretch>
-            <a:fillRect/>
-          </a:stretch>
-        </p:blipFill>
-        <p:spPr>
-          <a:xfrm>
-            <a:off x="151129" y="442005"/>
-            <a:ext cx="663146" cy="663146"/>
-          </a:xfrm>
-          <a:prstGeom prst="rect">
-            <a:avLst/>
-          </a:prstGeom>
-        </p:spPr>
-      </p:pic>
-      <p:pic>
-        <p:nvPicPr>
-          <p:cNvPr id="4" name="Picture 3" descr="Screen Shot 2018-05-06 at 7.07.45 PM.png"/>
-          <p:cNvPicPr>
-            <a:picLocks noChangeAspect="1"/>
-          </p:cNvPicPr>
-          <p:nvPr/>
-        </p:nvPicPr>
-        <p:blipFill>
           <a:blip r:embed="rId4">
             <a:extLst>
               <a:ext uri="{28A0092B-C50C-407E-A947-70E740481C1C}">
@@ -4498,8 +5464,8 @@
         </p:blipFill>
         <p:spPr>
           <a:xfrm>
-            <a:off x="740655" y="1920535"/>
-            <a:ext cx="5054600" cy="1435100"/>
+            <a:off x="151129" y="442005"/>
+            <a:ext cx="663146" cy="663146"/>
           </a:xfrm>
           <a:prstGeom prst="rect">
             <a:avLst/>
@@ -4509,7 +5475,7 @@
     </p:spTree>
     <p:extLst>
       <p:ext uri="{BB962C8B-B14F-4D97-AF65-F5344CB8AC3E}">
-        <p14:creationId xmlns:p14="http://schemas.microsoft.com/office/powerpoint/2010/main" val="201497647"/>
+        <p14:creationId xmlns:p14="http://schemas.microsoft.com/office/powerpoint/2010/main" val="1800109826"/>
       </p:ext>
     </p:extLst>
   </p:cSld>
@@ -4545,53 +5511,6 @@
       </p:grpSpPr>
       <p:sp>
         <p:nvSpPr>
-          <p:cNvPr id="189" name="Shape 189"/>
-          <p:cNvSpPr txBox="1">
-            <a:spLocks noGrp="1"/>
-          </p:cNvSpPr>
-          <p:nvPr>
-            <p:ph type="title"/>
-          </p:nvPr>
-        </p:nvSpPr>
-        <p:spPr>
-          <a:xfrm>
-            <a:off x="740655" y="392575"/>
-            <a:ext cx="6229128" cy="766200"/>
-          </a:xfrm>
-          <a:prstGeom prst="rect">
-            <a:avLst/>
-          </a:prstGeom>
-        </p:spPr>
-        <p:txBody>
-          <a:bodyPr wrap="square" lIns="91425" tIns="91425" rIns="91425" bIns="91425" anchor="ctr" anchorCtr="0">
-            <a:noAutofit/>
-          </a:bodyPr>
-          <a:lstStyle/>
-          <a:p>
-            <a:pPr lvl="0" rtl="0">
-              <a:spcBef>
-                <a:spcPts val="0"/>
-              </a:spcBef>
-              <a:buNone/>
-            </a:pPr>
-            <a:r>
-              <a:rPr lang="en-US" dirty="0" smtClean="0"/>
-              <a:t>Grouping </a:t>
-            </a:r>
-            <a:r>
-              <a:rPr lang="mr-IN" dirty="0" smtClean="0"/>
-              <a:t>–</a:t>
-            </a:r>
-            <a:r>
-              <a:rPr lang="en-US" dirty="0" smtClean="0"/>
-              <a:t> Protocol Extension, associatetype</a:t>
-            </a:r>
-            <a:endParaRPr lang="en" dirty="0"/>
-          </a:p>
-        </p:txBody>
-      </p:sp>
-      <p:sp>
-        <p:nvSpPr>
           <p:cNvPr id="192" name="Shape 192"/>
           <p:cNvSpPr txBox="1">
             <a:spLocks noGrp="1"/>
@@ -4661,7 +5580,7 @@
       </p:pic>
       <p:pic>
         <p:nvPicPr>
-          <p:cNvPr id="5" name="Picture 4" descr="Screen Shot 2018-05-06 at 5.56.43 PM.png"/>
+          <p:cNvPr id="3" name="Picture 2" descr="Screen Shot 2018-05-20 at 6.02.54 PM.png"/>
           <p:cNvPicPr>
             <a:picLocks noChangeAspect="1"/>
           </p:cNvPicPr>
@@ -4681,78 +5600,49 @@
         </p:blipFill>
         <p:spPr>
           <a:xfrm>
-            <a:off x="54580" y="3754673"/>
-            <a:ext cx="4394200" cy="990600"/>
+            <a:off x="0" y="1313275"/>
+            <a:ext cx="9144000" cy="3155894"/>
           </a:xfrm>
           <a:prstGeom prst="rect">
             <a:avLst/>
           </a:prstGeom>
         </p:spPr>
       </p:pic>
-      <p:pic>
-        <p:nvPicPr>
-          <p:cNvPr id="6" name="Picture 5" descr="Screen Shot 2018-05-06 at 5.56.36 PM.png"/>
-          <p:cNvPicPr>
-            <a:picLocks noChangeAspect="1"/>
-          </p:cNvPicPr>
-          <p:nvPr/>
-        </p:nvPicPr>
-        <p:blipFill>
-          <a:blip r:embed="rId5">
-            <a:extLst>
-              <a:ext uri="{28A0092B-C50C-407E-A947-70E740481C1C}">
-                <a14:useLocalDpi xmlns:a14="http://schemas.microsoft.com/office/drawing/2010/main" val="0"/>
-              </a:ext>
-            </a:extLst>
-          </a:blip>
-          <a:stretch>
-            <a:fillRect/>
-          </a:stretch>
-        </p:blipFill>
-        <p:spPr>
-          <a:xfrm>
-            <a:off x="0" y="2875361"/>
-            <a:ext cx="9144000" cy="860907"/>
-          </a:xfrm>
-          <a:prstGeom prst="rect">
-            <a:avLst/>
-          </a:prstGeom>
-        </p:spPr>
-      </p:pic>
-      <p:pic>
-        <p:nvPicPr>
-          <p:cNvPr id="3" name="Picture 2" descr="Screen Shot 2018-05-06 at 7.07.45 PM.png"/>
-          <p:cNvPicPr>
-            <a:picLocks noChangeAspect="1"/>
-          </p:cNvPicPr>
-          <p:nvPr/>
-        </p:nvPicPr>
-        <p:blipFill>
-          <a:blip r:embed="rId6">
-            <a:extLst>
-              <a:ext uri="{28A0092B-C50C-407E-A947-70E740481C1C}">
-                <a14:useLocalDpi xmlns:a14="http://schemas.microsoft.com/office/drawing/2010/main" val="0"/>
-              </a:ext>
-            </a:extLst>
-          </a:blip>
-          <a:stretch>
-            <a:fillRect/>
-          </a:stretch>
-        </p:blipFill>
-        <p:spPr>
-          <a:xfrm>
-            <a:off x="0" y="1349972"/>
-            <a:ext cx="5054600" cy="1435100"/>
-          </a:xfrm>
-          <a:prstGeom prst="rect">
-            <a:avLst/>
-          </a:prstGeom>
-        </p:spPr>
-      </p:pic>
+      <p:sp>
+        <p:nvSpPr>
+          <p:cNvPr id="5" name="Title 4"/>
+          <p:cNvSpPr>
+            <a:spLocks noGrp="1"/>
+          </p:cNvSpPr>
+          <p:nvPr>
+            <p:ph type="title"/>
+          </p:nvPr>
+        </p:nvSpPr>
+        <p:spPr/>
+        <p:txBody>
+          <a:bodyPr/>
+          <a:lstStyle/>
+          <a:p>
+            <a:r>
+              <a:rPr lang="en-US" dirty="0" smtClean="0"/>
+              <a:t>Protocol </a:t>
+            </a:r>
+            <a:r>
+              <a:rPr lang="mr-IN" dirty="0" smtClean="0"/>
+              <a:t>–</a:t>
+            </a:r>
+            <a:r>
+              <a:rPr lang="en-US" dirty="0" smtClean="0"/>
+              <a:t> Example 2</a:t>
+            </a:r>
+            <a:endParaRPr lang="en-US" dirty="0"/>
+          </a:p>
+        </p:txBody>
+      </p:sp>
     </p:spTree>
     <p:extLst>
       <p:ext uri="{BB962C8B-B14F-4D97-AF65-F5344CB8AC3E}">
-        <p14:creationId xmlns:p14="http://schemas.microsoft.com/office/powerpoint/2010/main" val="483918983"/>
+        <p14:creationId xmlns:p14="http://schemas.microsoft.com/office/powerpoint/2010/main" val="554180485"/>
       </p:ext>
     </p:extLst>
   </p:cSld>
@@ -4788,53 +5678,6 @@
       </p:grpSpPr>
       <p:sp>
         <p:nvSpPr>
-          <p:cNvPr id="189" name="Shape 189"/>
-          <p:cNvSpPr txBox="1">
-            <a:spLocks noGrp="1"/>
-          </p:cNvSpPr>
-          <p:nvPr>
-            <p:ph type="title"/>
-          </p:nvPr>
-        </p:nvSpPr>
-        <p:spPr>
-          <a:xfrm>
-            <a:off x="740655" y="392575"/>
-            <a:ext cx="6229128" cy="766200"/>
-          </a:xfrm>
-          <a:prstGeom prst="rect">
-            <a:avLst/>
-          </a:prstGeom>
-        </p:spPr>
-        <p:txBody>
-          <a:bodyPr wrap="square" lIns="91425" tIns="91425" rIns="91425" bIns="91425" anchor="ctr" anchorCtr="0">
-            <a:noAutofit/>
-          </a:bodyPr>
-          <a:lstStyle/>
-          <a:p>
-            <a:pPr lvl="0" rtl="0">
-              <a:spcBef>
-                <a:spcPts val="0"/>
-              </a:spcBef>
-              <a:buNone/>
-            </a:pPr>
-            <a:r>
-              <a:rPr lang="en-US" dirty="0" smtClean="0"/>
-              <a:t>Grouping </a:t>
-            </a:r>
-            <a:r>
-              <a:rPr lang="mr-IN" dirty="0" smtClean="0"/>
-              <a:t>–</a:t>
-            </a:r>
-            <a:r>
-              <a:rPr lang="en-US" dirty="0" smtClean="0"/>
-              <a:t> Protocol Extension, associatetype</a:t>
-            </a:r>
-            <a:endParaRPr lang="en" dirty="0"/>
-          </a:p>
-        </p:txBody>
-      </p:sp>
-      <p:sp>
-        <p:nvSpPr>
           <p:cNvPr id="192" name="Shape 192"/>
           <p:cNvSpPr txBox="1">
             <a:spLocks noGrp="1"/>
@@ -4902,9 +5745,40 @@
           </a:prstGeom>
         </p:spPr>
       </p:pic>
+      <p:sp>
+        <p:nvSpPr>
+          <p:cNvPr id="5" name="Title 4"/>
+          <p:cNvSpPr>
+            <a:spLocks noGrp="1"/>
+          </p:cNvSpPr>
+          <p:nvPr>
+            <p:ph type="title"/>
+          </p:nvPr>
+        </p:nvSpPr>
+        <p:spPr/>
+        <p:txBody>
+          <a:bodyPr/>
+          <a:lstStyle/>
+          <a:p>
+            <a:r>
+              <a:rPr lang="en-US" dirty="0" smtClean="0"/>
+              <a:t>Protocol </a:t>
+            </a:r>
+            <a:r>
+              <a:rPr lang="mr-IN" dirty="0" smtClean="0"/>
+              <a:t>–</a:t>
+            </a:r>
+            <a:r>
+              <a:rPr lang="en-US" dirty="0" smtClean="0"/>
+              <a:t> Example 3</a:t>
+            </a:r>
+            <a:endParaRPr lang="en-US" dirty="0"/>
+          </a:p>
+        </p:txBody>
+      </p:sp>
       <p:pic>
         <p:nvPicPr>
-          <p:cNvPr id="7" name="Picture 6" descr="Screen Shot 2018-05-06 at 5.56.52 PM.png"/>
+          <p:cNvPr id="6" name="Picture 5" descr="Screen Shot 2018-05-20 at 6.10.05 PM.png"/>
           <p:cNvPicPr>
             <a:picLocks noChangeAspect="1"/>
           </p:cNvPicPr>
@@ -4924,38 +5798,8 @@
         </p:blipFill>
         <p:spPr>
           <a:xfrm>
-            <a:off x="0" y="1493789"/>
-            <a:ext cx="9144000" cy="963416"/>
-          </a:xfrm>
-          <a:prstGeom prst="rect">
-            <a:avLst/>
-          </a:prstGeom>
-        </p:spPr>
-      </p:pic>
-      <p:pic>
-        <p:nvPicPr>
-          <p:cNvPr id="8" name="Picture 7" descr="Screen Shot 2018-05-06 at 5.59.50 PM.png"/>
-          <p:cNvPicPr>
-            <a:picLocks noChangeAspect="1"/>
-          </p:cNvPicPr>
-          <p:nvPr/>
-        </p:nvPicPr>
-        <p:blipFill>
-          <a:blip r:embed="rId5">
-            <a:extLst>
-              <a:ext uri="{28A0092B-C50C-407E-A947-70E740481C1C}">
-                <a14:useLocalDpi xmlns:a14="http://schemas.microsoft.com/office/drawing/2010/main" val="0"/>
-              </a:ext>
-            </a:extLst>
-          </a:blip>
-          <a:stretch>
-            <a:fillRect/>
-          </a:stretch>
-        </p:blipFill>
-        <p:spPr>
-          <a:xfrm>
-            <a:off x="0" y="2506285"/>
-            <a:ext cx="7137400" cy="2184400"/>
+            <a:off x="725495" y="1324534"/>
+            <a:ext cx="6066100" cy="3818965"/>
           </a:xfrm>
           <a:prstGeom prst="rect">
             <a:avLst/>
@@ -4965,7 +5809,7 @@
     </p:spTree>
     <p:extLst>
       <p:ext uri="{BB962C8B-B14F-4D97-AF65-F5344CB8AC3E}">
-        <p14:creationId xmlns:p14="http://schemas.microsoft.com/office/powerpoint/2010/main" val="1851042509"/>
+        <p14:creationId xmlns:p14="http://schemas.microsoft.com/office/powerpoint/2010/main" val="2084728613"/>
       </p:ext>
     </p:extLst>
   </p:cSld>
@@ -5117,7 +5961,7 @@
       </p:pic>
       <p:pic>
         <p:nvPicPr>
-          <p:cNvPr id="3" name="Picture 2" descr="Screen Shot 2018-05-06 at 6.04.06 PM.png"/>
+          <p:cNvPr id="4" name="Picture 3" descr="Screen Shot 2018-05-06 at 7.07.45 PM.png"/>
           <p:cNvPicPr>
             <a:picLocks noChangeAspect="1"/>
           </p:cNvPicPr>
@@ -5137,38 +5981,8 @@
         </p:blipFill>
         <p:spPr>
           <a:xfrm>
-            <a:off x="270500" y="1622183"/>
-            <a:ext cx="4953000" cy="1663700"/>
-          </a:xfrm>
-          <a:prstGeom prst="rect">
-            <a:avLst/>
-          </a:prstGeom>
-        </p:spPr>
-      </p:pic>
-      <p:pic>
-        <p:nvPicPr>
-          <p:cNvPr id="4" name="Picture 3" descr="Screen Shot 2018-05-06 at 6.04.50 PM.png"/>
-          <p:cNvPicPr>
-            <a:picLocks noChangeAspect="1"/>
-          </p:cNvPicPr>
-          <p:nvPr/>
-        </p:nvPicPr>
-        <p:blipFill>
-          <a:blip r:embed="rId5">
-            <a:extLst>
-              <a:ext uri="{28A0092B-C50C-407E-A947-70E740481C1C}">
-                <a14:useLocalDpi xmlns:a14="http://schemas.microsoft.com/office/drawing/2010/main" val="0"/>
-              </a:ext>
-            </a:extLst>
-          </a:blip>
-          <a:stretch>
-            <a:fillRect/>
-          </a:stretch>
-        </p:blipFill>
-        <p:spPr>
-          <a:xfrm>
-            <a:off x="270500" y="3588711"/>
-            <a:ext cx="2451100" cy="381000"/>
+            <a:off x="740655" y="1920535"/>
+            <a:ext cx="5054600" cy="1435100"/>
           </a:xfrm>
           <a:prstGeom prst="rect">
             <a:avLst/>
@@ -5178,7 +5992,7 @@
     </p:spTree>
     <p:extLst>
       <p:ext uri="{BB962C8B-B14F-4D97-AF65-F5344CB8AC3E}">
-        <p14:creationId xmlns:p14="http://schemas.microsoft.com/office/powerpoint/2010/main" val="2555477460"/>
+        <p14:creationId xmlns:p14="http://schemas.microsoft.com/office/powerpoint/2010/main" val="201497647"/>
       </p:ext>
     </p:extLst>
   </p:cSld>
@@ -5330,7 +6144,7 @@
       </p:pic>
       <p:pic>
         <p:nvPicPr>
-          <p:cNvPr id="7" name="Picture 6" descr="Screen Shot 2018-05-06 at 6.06.38 PM.png"/>
+          <p:cNvPr id="5" name="Picture 4" descr="Screen Shot 2018-05-06 at 5.56.43 PM.png"/>
           <p:cNvPicPr>
             <a:picLocks noChangeAspect="1"/>
           </p:cNvPicPr>
@@ -5350,8 +6164,8 @@
         </p:blipFill>
         <p:spPr>
           <a:xfrm>
-            <a:off x="4020316" y="1429473"/>
-            <a:ext cx="5127054" cy="3036865"/>
+            <a:off x="54580" y="3754673"/>
+            <a:ext cx="4394200" cy="990600"/>
           </a:xfrm>
           <a:prstGeom prst="rect">
             <a:avLst/>
@@ -5360,7 +6174,7 @@
       </p:pic>
       <p:pic>
         <p:nvPicPr>
-          <p:cNvPr id="8" name="Picture 7" descr="Screen Shot 2018-05-06 at 6.07.55 PM.png"/>
+          <p:cNvPr id="6" name="Picture 5" descr="Screen Shot 2018-05-06 at 5.56.36 PM.png"/>
           <p:cNvPicPr>
             <a:picLocks noChangeAspect="1"/>
           </p:cNvPicPr>
@@ -5380,8 +6194,38 @@
         </p:blipFill>
         <p:spPr>
           <a:xfrm>
-            <a:off x="12274" y="1608972"/>
-            <a:ext cx="3972293" cy="2348153"/>
+            <a:off x="0" y="2875361"/>
+            <a:ext cx="9144000" cy="860907"/>
+          </a:xfrm>
+          <a:prstGeom prst="rect">
+            <a:avLst/>
+          </a:prstGeom>
+        </p:spPr>
+      </p:pic>
+      <p:pic>
+        <p:nvPicPr>
+          <p:cNvPr id="3" name="Picture 2" descr="Screen Shot 2018-05-06 at 7.07.45 PM.png"/>
+          <p:cNvPicPr>
+            <a:picLocks noChangeAspect="1"/>
+          </p:cNvPicPr>
+          <p:nvPr/>
+        </p:nvPicPr>
+        <p:blipFill>
+          <a:blip r:embed="rId6">
+            <a:extLst>
+              <a:ext uri="{28A0092B-C50C-407E-A947-70E740481C1C}">
+                <a14:useLocalDpi xmlns:a14="http://schemas.microsoft.com/office/drawing/2010/main" val="0"/>
+              </a:ext>
+            </a:extLst>
+          </a:blip>
+          <a:stretch>
+            <a:fillRect/>
+          </a:stretch>
+        </p:blipFill>
+        <p:spPr>
+          <a:xfrm>
+            <a:off x="0" y="1349972"/>
+            <a:ext cx="5054600" cy="1435100"/>
           </a:xfrm>
           <a:prstGeom prst="rect">
             <a:avLst/>
@@ -5391,7 +6235,7 @@
     </p:spTree>
     <p:extLst>
       <p:ext uri="{BB962C8B-B14F-4D97-AF65-F5344CB8AC3E}">
-        <p14:creationId xmlns:p14="http://schemas.microsoft.com/office/powerpoint/2010/main" val="1638730713"/>
+        <p14:creationId xmlns:p14="http://schemas.microsoft.com/office/powerpoint/2010/main" val="483918983"/>
       </p:ext>
     </p:extLst>
   </p:cSld>
@@ -5543,7 +6387,7 @@
       </p:pic>
       <p:pic>
         <p:nvPicPr>
-          <p:cNvPr id="3" name="Picture 2" descr="Screen Shot 2018-05-06 at 6.10.38 PM.png"/>
+          <p:cNvPr id="7" name="Picture 6" descr="Screen Shot 2018-05-06 at 5.56.52 PM.png"/>
           <p:cNvPicPr>
             <a:picLocks noChangeAspect="1"/>
           </p:cNvPicPr>
@@ -5563,8 +6407,8 @@
         </p:blipFill>
         <p:spPr>
           <a:xfrm>
-            <a:off x="151129" y="1474961"/>
-            <a:ext cx="5181600" cy="2387600"/>
+            <a:off x="0" y="1493789"/>
+            <a:ext cx="9144000" cy="963416"/>
           </a:xfrm>
           <a:prstGeom prst="rect">
             <a:avLst/>
@@ -5573,7 +6417,7 @@
       </p:pic>
       <p:pic>
         <p:nvPicPr>
-          <p:cNvPr id="4" name="Picture 3" descr="Screen Shot 2018-05-06 at 6.10.51 PM.png"/>
+          <p:cNvPr id="8" name="Picture 7" descr="Screen Shot 2018-05-06 at 5.59.50 PM.png"/>
           <p:cNvPicPr>
             <a:picLocks noChangeAspect="1"/>
           </p:cNvPicPr>
@@ -5593,8 +6437,8 @@
         </p:blipFill>
         <p:spPr>
           <a:xfrm>
-            <a:off x="151129" y="4339124"/>
-            <a:ext cx="3136900" cy="533400"/>
+            <a:off x="0" y="2506285"/>
+            <a:ext cx="7137400" cy="2184400"/>
           </a:xfrm>
           <a:prstGeom prst="rect">
             <a:avLst/>
@@ -5604,7 +6448,7 @@
     </p:spTree>
     <p:extLst>
       <p:ext uri="{BB962C8B-B14F-4D97-AF65-F5344CB8AC3E}">
-        <p14:creationId xmlns:p14="http://schemas.microsoft.com/office/powerpoint/2010/main" val="4046537579"/>
+        <p14:creationId xmlns:p14="http://schemas.microsoft.com/office/powerpoint/2010/main" val="1851042509"/>
       </p:ext>
     </p:extLst>
   </p:cSld>
@@ -5650,8 +6494,8 @@
         </p:nvSpPr>
         <p:spPr>
           <a:xfrm>
-            <a:off x="884435" y="392575"/>
-            <a:ext cx="4139872" cy="766200"/>
+            <a:off x="740655" y="392575"/>
+            <a:ext cx="6229128" cy="766200"/>
           </a:xfrm>
           <a:prstGeom prst="rect">
             <a:avLst/>
@@ -5670,12 +6514,8 @@
               <a:buNone/>
             </a:pPr>
             <a:r>
-              <a:rPr lang="en-US" dirty="0" err="1" smtClean="0"/>
-              <a:t>RxSwift</a:t>
-            </a:r>
-            <a:r>
               <a:rPr lang="en-US" dirty="0" smtClean="0"/>
-              <a:t> </a:t>
+              <a:t>Grouping </a:t>
             </a:r>
             <a:r>
               <a:rPr lang="mr-IN" dirty="0" smtClean="0"/>
@@ -5683,11 +6523,7 @@
             </a:r>
             <a:r>
               <a:rPr lang="en-US" dirty="0" smtClean="0"/>
-              <a:t> </a:t>
-            </a:r>
-            <a:r>
-              <a:rPr lang="en-US" dirty="0" err="1" smtClean="0"/>
-              <a:t>Reactive.swift</a:t>
+              <a:t> Protocol Extension, associatetype</a:t>
             </a:r>
             <a:endParaRPr lang="en" dirty="0"/>
           </a:p>
@@ -5762,83 +6598,70 @@
           </a:prstGeom>
         </p:spPr>
       </p:pic>
-      <p:sp>
-        <p:nvSpPr>
-          <p:cNvPr id="3" name="TextBox 2"/>
-          <p:cNvSpPr txBox="1"/>
+      <p:pic>
+        <p:nvPicPr>
+          <p:cNvPr id="3" name="Picture 2" descr="Screen Shot 2018-05-06 at 6.04.06 PM.png"/>
+          <p:cNvPicPr>
+            <a:picLocks noChangeAspect="1"/>
+          </p:cNvPicPr>
           <p:nvPr/>
-        </p:nvSpPr>
-        <p:spPr>
-          <a:xfrm>
-            <a:off x="516998" y="2535013"/>
-            <a:ext cx="8217104" cy="584776"/>
+        </p:nvPicPr>
+        <p:blipFill>
+          <a:blip r:embed="rId4">
+            <a:extLst>
+              <a:ext uri="{28A0092B-C50C-407E-A947-70E740481C1C}">
+                <a14:useLocalDpi xmlns:a14="http://schemas.microsoft.com/office/drawing/2010/main" val="0"/>
+              </a:ext>
+            </a:extLst>
+          </a:blip>
+          <a:stretch>
+            <a:fillRect/>
+          </a:stretch>
+        </p:blipFill>
+        <p:spPr>
+          <a:xfrm>
+            <a:off x="270500" y="1622183"/>
+            <a:ext cx="4953000" cy="1663700"/>
           </a:xfrm>
           <a:prstGeom prst="rect">
             <a:avLst/>
           </a:prstGeom>
-          <a:noFill/>
-        </p:spPr>
-        <p:txBody>
-          <a:bodyPr wrap="none" rtlCol="0">
-            <a:spAutoFit/>
-          </a:bodyPr>
-          <a:lstStyle/>
-          <a:p>
-            <a:endParaRPr lang="en-US" dirty="0" smtClean="0"/>
-          </a:p>
-          <a:p>
-            <a:r>
-              <a:rPr lang="en-US" sz="1800" b="1" i="1" dirty="0" smtClean="0"/>
-              <a:t>https</a:t>
-            </a:r>
-            <a:r>
-              <a:rPr lang="en-US" sz="1800" b="1" i="1" dirty="0"/>
-              <a:t>://</a:t>
-            </a:r>
-            <a:r>
-              <a:rPr lang="en-US" sz="1800" b="1" i="1" dirty="0" err="1"/>
-              <a:t>github.com</a:t>
-            </a:r>
-            <a:r>
-              <a:rPr lang="en-US" sz="1800" b="1" i="1" dirty="0"/>
-              <a:t>/</a:t>
-            </a:r>
-            <a:r>
-              <a:rPr lang="en-US" sz="1800" b="1" i="1" dirty="0" err="1"/>
-              <a:t>ReactiveX</a:t>
-            </a:r>
-            <a:r>
-              <a:rPr lang="en-US" sz="1800" b="1" i="1" dirty="0"/>
-              <a:t>/</a:t>
-            </a:r>
-            <a:r>
-              <a:rPr lang="en-US" sz="1800" b="1" i="1" dirty="0" err="1"/>
-              <a:t>RxSwift</a:t>
-            </a:r>
-            <a:r>
-              <a:rPr lang="en-US" sz="1800" b="1" i="1" dirty="0"/>
-              <a:t>/blob/master/</a:t>
-            </a:r>
-            <a:r>
-              <a:rPr lang="en-US" sz="1800" b="1" i="1" dirty="0" err="1"/>
-              <a:t>RxSwift</a:t>
-            </a:r>
-            <a:r>
-              <a:rPr lang="en-US" sz="1800" b="1" i="1" dirty="0"/>
-              <a:t>/</a:t>
-            </a:r>
-            <a:r>
-              <a:rPr lang="en-US" sz="1800" b="1" i="1" dirty="0" err="1"/>
-              <a:t>Reactive.swift</a:t>
-            </a:r>
-            <a:endParaRPr lang="en-US" sz="1800" b="1" i="1" dirty="0"/>
-          </a:p>
-        </p:txBody>
-      </p:sp>
+        </p:spPr>
+      </p:pic>
+      <p:pic>
+        <p:nvPicPr>
+          <p:cNvPr id="4" name="Picture 3" descr="Screen Shot 2018-05-06 at 6.04.50 PM.png"/>
+          <p:cNvPicPr>
+            <a:picLocks noChangeAspect="1"/>
+          </p:cNvPicPr>
+          <p:nvPr/>
+        </p:nvPicPr>
+        <p:blipFill>
+          <a:blip r:embed="rId5">
+            <a:extLst>
+              <a:ext uri="{28A0092B-C50C-407E-A947-70E740481C1C}">
+                <a14:useLocalDpi xmlns:a14="http://schemas.microsoft.com/office/drawing/2010/main" val="0"/>
+              </a:ext>
+            </a:extLst>
+          </a:blip>
+          <a:stretch>
+            <a:fillRect/>
+          </a:stretch>
+        </p:blipFill>
+        <p:spPr>
+          <a:xfrm>
+            <a:off x="270500" y="3588711"/>
+            <a:ext cx="2451100" cy="381000"/>
+          </a:xfrm>
+          <a:prstGeom prst="rect">
+            <a:avLst/>
+          </a:prstGeom>
+        </p:spPr>
+      </p:pic>
     </p:spTree>
     <p:extLst>
       <p:ext uri="{BB962C8B-B14F-4D97-AF65-F5344CB8AC3E}">
-        <p14:creationId xmlns:p14="http://schemas.microsoft.com/office/powerpoint/2010/main" val="1377121108"/>
+        <p14:creationId xmlns:p14="http://schemas.microsoft.com/office/powerpoint/2010/main" val="2555477460"/>
       </p:ext>
     </p:extLst>
   </p:cSld>

--- a/AdvancedRxSwift/day2/AdvancedRxSwift2.pptx
+++ b/AdvancedRxSwift/day2/AdvancedRxSwift2.pptx
@@ -5,17 +5,19 @@
     <p:sldMasterId id="2147483657" r:id="rId1"/>
   </p:sldMasterIdLst>
   <p:notesMasterIdLst>
-    <p:notesMasterId r:id="rId10"/>
+    <p:notesMasterId r:id="rId12"/>
   </p:notesMasterIdLst>
   <p:sldIdLst>
     <p:sldId id="256" r:id="rId2"/>
-    <p:sldId id="341" r:id="rId3"/>
-    <p:sldId id="344" r:id="rId4"/>
-    <p:sldId id="345" r:id="rId5"/>
-    <p:sldId id="347" r:id="rId6"/>
-    <p:sldId id="348" r:id="rId7"/>
-    <p:sldId id="346" r:id="rId8"/>
-    <p:sldId id="342" r:id="rId9"/>
+    <p:sldId id="349" r:id="rId3"/>
+    <p:sldId id="350" r:id="rId4"/>
+    <p:sldId id="341" r:id="rId5"/>
+    <p:sldId id="344" r:id="rId6"/>
+    <p:sldId id="345" r:id="rId7"/>
+    <p:sldId id="347" r:id="rId8"/>
+    <p:sldId id="348" r:id="rId9"/>
+    <p:sldId id="346" r:id="rId10"/>
+    <p:sldId id="342" r:id="rId11"/>
   </p:sldIdLst>
   <p:sldSz cx="9144000" cy="5143500" type="screen16x9"/>
   <p:notesSz cx="6858000" cy="9144000"/>
@@ -605,6 +607,107 @@
 </p:notes>
 </file>
 
+<file path=ppt/notesSlides/notesSlide10.xml><?xml version="1.0" encoding="utf-8"?>
+<p:notes xmlns:a="http://schemas.openxmlformats.org/drawingml/2006/main" xmlns:r="http://schemas.openxmlformats.org/officeDocument/2006/relationships" xmlns:p="http://schemas.openxmlformats.org/presentationml/2006/main" showMasterSp="0" showMasterPhAnim="0">
+  <p:cSld>
+    <p:spTree>
+      <p:nvGrpSpPr>
+        <p:cNvPr id="1" name="Shape 185"/>
+        <p:cNvGrpSpPr/>
+        <p:nvPr/>
+      </p:nvGrpSpPr>
+      <p:grpSpPr>
+        <a:xfrm>
+          <a:off x="0" y="0"/>
+          <a:ext cx="0" cy="0"/>
+          <a:chOff x="0" y="0"/>
+          <a:chExt cx="0" cy="0"/>
+        </a:xfrm>
+      </p:grpSpPr>
+      <p:sp>
+        <p:nvSpPr>
+          <p:cNvPr id="186" name="Shape 186"/>
+          <p:cNvSpPr>
+            <a:spLocks noGrp="1" noRot="1" noChangeAspect="1"/>
+          </p:cNvSpPr>
+          <p:nvPr>
+            <p:ph type="sldImg" idx="2"/>
+          </p:nvPr>
+        </p:nvSpPr>
+        <p:spPr>
+          <a:xfrm>
+            <a:off x="381000" y="685800"/>
+            <a:ext cx="6096000" cy="3429000"/>
+          </a:xfrm>
+          <a:custGeom>
+            <a:avLst/>
+            <a:gdLst/>
+            <a:ahLst/>
+            <a:cxnLst/>
+            <a:rect l="0" t="0" r="0" b="0"/>
+            <a:pathLst>
+              <a:path w="120000" h="120000" extrusionOk="0">
+                <a:moveTo>
+                  <a:pt x="0" y="0"/>
+                </a:moveTo>
+                <a:lnTo>
+                  <a:pt x="120000" y="0"/>
+                </a:lnTo>
+                <a:lnTo>
+                  <a:pt x="120000" y="120000"/>
+                </a:lnTo>
+                <a:lnTo>
+                  <a:pt x="0" y="120000"/>
+                </a:lnTo>
+                <a:close/>
+              </a:path>
+            </a:pathLst>
+          </a:custGeom>
+        </p:spPr>
+      </p:sp>
+      <p:sp>
+        <p:nvSpPr>
+          <p:cNvPr id="187" name="Shape 187"/>
+          <p:cNvSpPr txBox="1">
+            <a:spLocks noGrp="1"/>
+          </p:cNvSpPr>
+          <p:nvPr>
+            <p:ph type="body" idx="1"/>
+          </p:nvPr>
+        </p:nvSpPr>
+        <p:spPr>
+          <a:xfrm>
+            <a:off x="685800" y="4343400"/>
+            <a:ext cx="5486400" cy="4114800"/>
+          </a:xfrm>
+          <a:prstGeom prst="rect">
+            <a:avLst/>
+          </a:prstGeom>
+        </p:spPr>
+        <p:txBody>
+          <a:bodyPr wrap="square" lIns="91425" tIns="91425" rIns="91425" bIns="91425" anchor="t" anchorCtr="0">
+            <a:noAutofit/>
+          </a:bodyPr>
+          <a:lstStyle/>
+          <a:p>
+            <a:pPr lvl="0">
+              <a:spcBef>
+                <a:spcPts val="0"/>
+              </a:spcBef>
+              <a:buNone/>
+            </a:pPr>
+            <a:endParaRPr/>
+          </a:p>
+        </p:txBody>
+      </p:sp>
+    </p:spTree>
+  </p:cSld>
+  <p:clrMapOvr>
+    <a:masterClrMapping/>
+  </p:clrMapOvr>
+</p:notes>
+</file>
+
 <file path=ppt/notesSlides/notesSlide2.xml><?xml version="1.0" encoding="utf-8"?>
 <p:notes xmlns:a="http://schemas.openxmlformats.org/drawingml/2006/main" xmlns:r="http://schemas.openxmlformats.org/officeDocument/2006/relationships" xmlns:p="http://schemas.openxmlformats.org/presentationml/2006/main" showMasterSp="0" showMasterPhAnim="0">
   <p:cSld>
@@ -1212,6 +1315,107 @@
 </file>
 
 <file path=ppt/notesSlides/notesSlide8.xml><?xml version="1.0" encoding="utf-8"?>
+<p:notes xmlns:a="http://schemas.openxmlformats.org/drawingml/2006/main" xmlns:r="http://schemas.openxmlformats.org/officeDocument/2006/relationships" xmlns:p="http://schemas.openxmlformats.org/presentationml/2006/main" showMasterSp="0" showMasterPhAnim="0">
+  <p:cSld>
+    <p:spTree>
+      <p:nvGrpSpPr>
+        <p:cNvPr id="1" name="Shape 185"/>
+        <p:cNvGrpSpPr/>
+        <p:nvPr/>
+      </p:nvGrpSpPr>
+      <p:grpSpPr>
+        <a:xfrm>
+          <a:off x="0" y="0"/>
+          <a:ext cx="0" cy="0"/>
+          <a:chOff x="0" y="0"/>
+          <a:chExt cx="0" cy="0"/>
+        </a:xfrm>
+      </p:grpSpPr>
+      <p:sp>
+        <p:nvSpPr>
+          <p:cNvPr id="186" name="Shape 186"/>
+          <p:cNvSpPr>
+            <a:spLocks noGrp="1" noRot="1" noChangeAspect="1"/>
+          </p:cNvSpPr>
+          <p:nvPr>
+            <p:ph type="sldImg" idx="2"/>
+          </p:nvPr>
+        </p:nvSpPr>
+        <p:spPr>
+          <a:xfrm>
+            <a:off x="381000" y="685800"/>
+            <a:ext cx="6096000" cy="3429000"/>
+          </a:xfrm>
+          <a:custGeom>
+            <a:avLst/>
+            <a:gdLst/>
+            <a:ahLst/>
+            <a:cxnLst/>
+            <a:rect l="0" t="0" r="0" b="0"/>
+            <a:pathLst>
+              <a:path w="120000" h="120000" extrusionOk="0">
+                <a:moveTo>
+                  <a:pt x="0" y="0"/>
+                </a:moveTo>
+                <a:lnTo>
+                  <a:pt x="120000" y="0"/>
+                </a:lnTo>
+                <a:lnTo>
+                  <a:pt x="120000" y="120000"/>
+                </a:lnTo>
+                <a:lnTo>
+                  <a:pt x="0" y="120000"/>
+                </a:lnTo>
+                <a:close/>
+              </a:path>
+            </a:pathLst>
+          </a:custGeom>
+        </p:spPr>
+      </p:sp>
+      <p:sp>
+        <p:nvSpPr>
+          <p:cNvPr id="187" name="Shape 187"/>
+          <p:cNvSpPr txBox="1">
+            <a:spLocks noGrp="1"/>
+          </p:cNvSpPr>
+          <p:nvPr>
+            <p:ph type="body" idx="1"/>
+          </p:nvPr>
+        </p:nvSpPr>
+        <p:spPr>
+          <a:xfrm>
+            <a:off x="685800" y="4343400"/>
+            <a:ext cx="5486400" cy="4114800"/>
+          </a:xfrm>
+          <a:prstGeom prst="rect">
+            <a:avLst/>
+          </a:prstGeom>
+        </p:spPr>
+        <p:txBody>
+          <a:bodyPr wrap="square" lIns="91425" tIns="91425" rIns="91425" bIns="91425" anchor="t" anchorCtr="0">
+            <a:noAutofit/>
+          </a:bodyPr>
+          <a:lstStyle/>
+          <a:p>
+            <a:pPr lvl="0">
+              <a:spcBef>
+                <a:spcPts val="0"/>
+              </a:spcBef>
+              <a:buNone/>
+            </a:pPr>
+            <a:endParaRPr/>
+          </a:p>
+        </p:txBody>
+      </p:sp>
+    </p:spTree>
+  </p:cSld>
+  <p:clrMapOvr>
+    <a:masterClrMapping/>
+  </p:clrMapOvr>
+</p:notes>
+</file>
+
+<file path=ppt/notesSlides/notesSlide9.xml><?xml version="1.0" encoding="utf-8"?>
 <p:notes xmlns:a="http://schemas.openxmlformats.org/drawingml/2006/main" xmlns:r="http://schemas.openxmlformats.org/officeDocument/2006/relationships" xmlns:p="http://schemas.openxmlformats.org/presentationml/2006/main" showMasterSp="0" showMasterPhAnim="0">
   <p:cSld>
     <p:spTree>
@@ -3725,11 +3929,7 @@
             </a:r>
             <a:r>
               <a:rPr lang="en-US" sz="4400" dirty="0" smtClean="0"/>
-              <a:t> Day </a:t>
-            </a:r>
-            <a:r>
-              <a:rPr lang="en-US" sz="4400" dirty="0" smtClean="0"/>
-              <a:t>2</a:t>
+              <a:t> Day 2</a:t>
             </a:r>
             <a:endParaRPr lang="en" sz="4400" dirty="0"/>
           </a:p>
@@ -3974,6 +4174,228 @@
         </p:txBody>
       </p:sp>
     </p:spTree>
+  </p:cSld>
+  <p:clrMapOvr>
+    <a:masterClrMapping/>
+  </p:clrMapOvr>
+  <p:timing>
+    <p:tnLst>
+      <p:par>
+        <p:cTn xmlns:p14="http://schemas.microsoft.com/office/powerpoint/2010/main" id="1" dur="indefinite" restart="never" nodeType="tmRoot"/>
+      </p:par>
+    </p:tnLst>
+  </p:timing>
+</p:sld>
+</file>
+
+<file path=ppt/slides/slide10.xml><?xml version="1.0" encoding="utf-8"?>
+<p:sld xmlns:a="http://schemas.openxmlformats.org/drawingml/2006/main" xmlns:r="http://schemas.openxmlformats.org/officeDocument/2006/relationships" xmlns:p="http://schemas.openxmlformats.org/presentationml/2006/main">
+  <p:cSld>
+    <p:spTree>
+      <p:nvGrpSpPr>
+        <p:cNvPr id="1" name="Shape 188"/>
+        <p:cNvGrpSpPr/>
+        <p:nvPr/>
+      </p:nvGrpSpPr>
+      <p:grpSpPr>
+        <a:xfrm>
+          <a:off x="0" y="0"/>
+          <a:ext cx="0" cy="0"/>
+          <a:chOff x="0" y="0"/>
+          <a:chExt cx="0" cy="0"/>
+        </a:xfrm>
+      </p:grpSpPr>
+      <p:sp>
+        <p:nvSpPr>
+          <p:cNvPr id="192" name="Shape 192"/>
+          <p:cNvSpPr txBox="1">
+            <a:spLocks noGrp="1"/>
+          </p:cNvSpPr>
+          <p:nvPr>
+            <p:ph type="sldNum" idx="12"/>
+          </p:nvPr>
+        </p:nvSpPr>
+        <p:spPr>
+          <a:xfrm>
+            <a:off x="7618000" y="4636500"/>
+            <a:ext cx="1487400" cy="315600"/>
+          </a:xfrm>
+          <a:prstGeom prst="rect">
+            <a:avLst/>
+          </a:prstGeom>
+        </p:spPr>
+        <p:txBody>
+          <a:bodyPr wrap="square" lIns="91425" tIns="91425" rIns="91425" bIns="91425" anchor="ctr" anchorCtr="0">
+            <a:noAutofit/>
+          </a:bodyPr>
+          <a:lstStyle/>
+          <a:p>
+            <a:pPr lvl="0">
+              <a:spcBef>
+                <a:spcPts val="0"/>
+              </a:spcBef>
+              <a:buNone/>
+            </a:pPr>
+            <a:fld id="{00000000-1234-1234-1234-123412341234}" type="slidenum">
+              <a:rPr lang="en"/>
+              <a:t>10</a:t>
+            </a:fld>
+            <a:endParaRPr lang="en"/>
+          </a:p>
+        </p:txBody>
+      </p:sp>
+      <p:pic>
+        <p:nvPicPr>
+          <p:cNvPr id="2" name="Picture 1" descr="Rx_Logo_M.png"/>
+          <p:cNvPicPr>
+            <a:picLocks noChangeAspect="1"/>
+          </p:cNvPicPr>
+          <p:nvPr/>
+        </p:nvPicPr>
+        <p:blipFill>
+          <a:blip r:embed="rId3">
+            <a:extLst>
+              <a:ext uri="{28A0092B-C50C-407E-A947-70E740481C1C}">
+                <a14:useLocalDpi xmlns:a14="http://schemas.microsoft.com/office/drawing/2010/main" val="0"/>
+              </a:ext>
+            </a:extLst>
+          </a:blip>
+          <a:stretch>
+            <a:fillRect/>
+          </a:stretch>
+        </p:blipFill>
+        <p:spPr>
+          <a:xfrm>
+            <a:off x="151129" y="442005"/>
+            <a:ext cx="663146" cy="663146"/>
+          </a:xfrm>
+          <a:prstGeom prst="rect">
+            <a:avLst/>
+          </a:prstGeom>
+        </p:spPr>
+      </p:pic>
+      <p:sp>
+        <p:nvSpPr>
+          <p:cNvPr id="5" name="Title 4"/>
+          <p:cNvSpPr>
+            <a:spLocks noGrp="1"/>
+          </p:cNvSpPr>
+          <p:nvPr>
+            <p:ph type="title"/>
+          </p:nvPr>
+        </p:nvSpPr>
+        <p:spPr/>
+        <p:txBody>
+          <a:bodyPr/>
+          <a:lstStyle/>
+          <a:p>
+            <a:r>
+              <a:rPr lang="en-US" dirty="0" smtClean="0"/>
+              <a:t>Lab</a:t>
+            </a:r>
+            <a:endParaRPr lang="en-US" dirty="0"/>
+          </a:p>
+        </p:txBody>
+      </p:sp>
+      <p:pic>
+        <p:nvPicPr>
+          <p:cNvPr id="4" name="Picture 3" descr="Screen Shot 2018-05-24 at 8.15.30 PM.png"/>
+          <p:cNvPicPr>
+            <a:picLocks noChangeAspect="1"/>
+          </p:cNvPicPr>
+          <p:nvPr/>
+        </p:nvPicPr>
+        <p:blipFill>
+          <a:blip r:embed="rId4">
+            <a:extLst>
+              <a:ext uri="{28A0092B-C50C-407E-A947-70E740481C1C}">
+                <a14:useLocalDpi xmlns:a14="http://schemas.microsoft.com/office/drawing/2010/main" val="0"/>
+              </a:ext>
+            </a:extLst>
+          </a:blip>
+          <a:stretch>
+            <a:fillRect/>
+          </a:stretch>
+        </p:blipFill>
+        <p:spPr>
+          <a:xfrm>
+            <a:off x="1828751" y="1443722"/>
+            <a:ext cx="2069702" cy="3699778"/>
+          </a:xfrm>
+          <a:prstGeom prst="rect">
+            <a:avLst/>
+          </a:prstGeom>
+        </p:spPr>
+      </p:pic>
+      <p:pic>
+        <p:nvPicPr>
+          <p:cNvPr id="6" name="Picture 5" descr="Screen Shot 2018-05-24 at 8.15.45 PM.png"/>
+          <p:cNvPicPr>
+            <a:picLocks noChangeAspect="1"/>
+          </p:cNvPicPr>
+          <p:nvPr/>
+        </p:nvPicPr>
+        <p:blipFill>
+          <a:blip r:embed="rId5">
+            <a:extLst>
+              <a:ext uri="{28A0092B-C50C-407E-A947-70E740481C1C}">
+                <a14:useLocalDpi xmlns:a14="http://schemas.microsoft.com/office/drawing/2010/main" val="0"/>
+              </a:ext>
+            </a:extLst>
+          </a:blip>
+          <a:stretch>
+            <a:fillRect/>
+          </a:stretch>
+        </p:blipFill>
+        <p:spPr>
+          <a:xfrm>
+            <a:off x="4716079" y="1443722"/>
+            <a:ext cx="2057579" cy="3668285"/>
+          </a:xfrm>
+          <a:prstGeom prst="rect">
+            <a:avLst/>
+          </a:prstGeom>
+        </p:spPr>
+      </p:pic>
+      <p:cxnSp>
+        <p:nvCxnSpPr>
+          <p:cNvPr id="8" name="Straight Arrow Connector 7"/>
+          <p:cNvCxnSpPr/>
+          <p:nvPr/>
+        </p:nvCxnSpPr>
+        <p:spPr>
+          <a:xfrm>
+            <a:off x="3977939" y="2364093"/>
+            <a:ext cx="670972" cy="7987"/>
+          </a:xfrm>
+          <a:prstGeom prst="straightConnector1">
+            <a:avLst/>
+          </a:prstGeom>
+          <a:ln>
+            <a:tailEnd type="arrow"/>
+          </a:ln>
+        </p:spPr>
+        <p:style>
+          <a:lnRef idx="2">
+            <a:schemeClr val="accent1"/>
+          </a:lnRef>
+          <a:fillRef idx="0">
+            <a:schemeClr val="accent1"/>
+          </a:fillRef>
+          <a:effectRef idx="1">
+            <a:schemeClr val="accent1"/>
+          </a:effectRef>
+          <a:fontRef idx="minor">
+            <a:schemeClr val="tx1"/>
+          </a:fontRef>
+        </p:style>
+      </p:cxnSp>
+    </p:spTree>
+    <p:extLst>
+      <p:ext uri="{BB962C8B-B14F-4D97-AF65-F5344CB8AC3E}">
+        <p14:creationId xmlns:p14="http://schemas.microsoft.com/office/powerpoint/2010/main" val="554180485"/>
+      </p:ext>
+    </p:extLst>
   </p:cSld>
   <p:clrMapOvr>
     <a:masterClrMapping/>
@@ -4017,8 +4439,8 @@
         </p:nvSpPr>
         <p:spPr>
           <a:xfrm>
-            <a:off x="1052178" y="392575"/>
-            <a:ext cx="4539261" cy="766200"/>
+            <a:off x="814275" y="392575"/>
+            <a:ext cx="5258400" cy="766200"/>
           </a:xfrm>
           <a:prstGeom prst="rect">
             <a:avLst/>
@@ -4037,8 +4459,12 @@
               <a:buNone/>
             </a:pPr>
             <a:r>
+              <a:rPr lang="en-US" dirty="0" err="1" smtClean="0"/>
+              <a:t>RxSwift</a:t>
+            </a:r>
+            <a:r>
               <a:rPr lang="en-US" dirty="0" smtClean="0"/>
-              <a:t>Integrate with API Call</a:t>
+              <a:t> Basics</a:t>
             </a:r>
             <a:endParaRPr lang="en" dirty="0"/>
           </a:p>
@@ -4115,141 +4541,200 @@
       </p:pic>
       <p:sp>
         <p:nvSpPr>
-          <p:cNvPr id="6" name="TextBox 5"/>
-          <p:cNvSpPr txBox="1"/>
-          <p:nvPr/>
+          <p:cNvPr id="9" name="Shape 237"/>
+          <p:cNvSpPr txBox="1">
+            <a:spLocks noGrp="1"/>
+          </p:cNvSpPr>
+          <p:nvPr>
+            <p:ph type="body" idx="1"/>
+          </p:nvPr>
         </p:nvSpPr>
         <p:spPr>
           <a:xfrm>
-            <a:off x="421145" y="1800227"/>
-            <a:ext cx="7542662" cy="2308324"/>
+            <a:off x="554601" y="1650424"/>
+            <a:ext cx="8115791" cy="2862119"/>
           </a:xfrm>
           <a:prstGeom prst="rect">
             <a:avLst/>
           </a:prstGeom>
-          <a:noFill/>
         </p:spPr>
         <p:txBody>
-          <a:bodyPr wrap="square" rtlCol="0">
-            <a:spAutoFit/>
+          <a:bodyPr wrap="square" lIns="91425" tIns="91425" rIns="91425" bIns="91425" anchor="ctr" anchorCtr="0">
+            <a:noAutofit/>
           </a:bodyPr>
           <a:lstStyle/>
           <a:p>
-            <a:pPr marL="285750" indent="-285750">
-              <a:buFontTx/>
-              <a:buChar char="-"/>
-            </a:pPr>
-            <a:r>
-              <a:rPr lang="en-US" sz="1600" b="1" dirty="0" smtClean="0"/>
-              <a:t>API Call (create Observable)</a:t>
-            </a:r>
-          </a:p>
-          <a:p>
-            <a:pPr marL="285750" indent="-285750">
-              <a:buFontTx/>
-              <a:buChar char="-"/>
-            </a:pPr>
-            <a:endParaRPr lang="en-US" sz="1600" b="1" dirty="0" smtClean="0"/>
-          </a:p>
-          <a:p>
-            <a:pPr marL="285750" indent="-285750">
-              <a:buFontTx/>
-              <a:buChar char="-"/>
-            </a:pPr>
-            <a:r>
-              <a:rPr lang="en-US" sz="1600" b="1" dirty="0" smtClean="0"/>
-              <a:t>Flow Control in API calls ( filter, </a:t>
-            </a:r>
-            <a:r>
-              <a:rPr lang="en-US" sz="1600" b="1" dirty="0" err="1" smtClean="0"/>
+            <a:r>
+              <a:rPr lang="en-US" dirty="0" smtClean="0"/>
+              <a:t>Day 1 </a:t>
+            </a:r>
+            <a:r>
+              <a:rPr lang="mr-IN" dirty="0" smtClean="0"/>
+              <a:t>–</a:t>
+            </a:r>
+            <a:r>
+              <a:rPr lang="en-US" dirty="0" smtClean="0"/>
+              <a:t> Observable, Operator (Filter, Transform, Combine</a:t>
+            </a:r>
+            <a:r>
+              <a:rPr lang="en-US" dirty="0" smtClean="0"/>
+              <a:t>)</a:t>
+            </a:r>
+            <a:endParaRPr lang="en-US" b="1" dirty="0" smtClean="0"/>
+          </a:p>
+          <a:p>
+            <a:r>
+              <a:rPr lang="en-US" dirty="0"/>
+              <a:t>Day </a:t>
+            </a:r>
+            <a:r>
+              <a:rPr lang="en-US" dirty="0" smtClean="0"/>
+              <a:t>2 </a:t>
+            </a:r>
+            <a:r>
+              <a:rPr lang="mr-IN" dirty="0"/>
+              <a:t>–</a:t>
+            </a:r>
+            <a:r>
+              <a:rPr lang="en-US" dirty="0"/>
+              <a:t> </a:t>
+            </a:r>
+            <a:r>
+              <a:rPr lang="en-US" dirty="0" smtClean="0"/>
+              <a:t>Subject (</a:t>
+            </a:r>
+            <a:r>
+              <a:rPr lang="en-US" dirty="0" err="1" smtClean="0"/>
               <a:t>flatMap</a:t>
             </a:r>
             <a:r>
-              <a:rPr lang="en-US" sz="1600" b="1" dirty="0" smtClean="0"/>
-              <a:t> operation in Observables)</a:t>
-            </a:r>
-          </a:p>
-          <a:p>
-            <a:pPr marL="285750" indent="-285750">
-              <a:buFontTx/>
-              <a:buChar char="-"/>
-            </a:pPr>
-            <a:endParaRPr lang="en-US" sz="1600" b="1" dirty="0" smtClean="0"/>
-          </a:p>
-          <a:p>
-            <a:pPr marL="285750" indent="-285750">
-              <a:buFontTx/>
-              <a:buChar char="-"/>
-            </a:pPr>
-            <a:r>
-              <a:rPr lang="en-US" sz="1600" b="1" dirty="0" smtClean="0"/>
-              <a:t>Create View Model ( </a:t>
-            </a:r>
-            <a:r>
-              <a:rPr lang="en-US" sz="1600" b="1" dirty="0" err="1" smtClean="0"/>
-              <a:t>BehaviorSubject</a:t>
-            </a:r>
-            <a:r>
-              <a:rPr lang="en-US" sz="1600" b="1" dirty="0" smtClean="0"/>
-              <a:t> )</a:t>
-            </a:r>
-          </a:p>
-          <a:p>
-            <a:pPr marL="285750" indent="-285750">
-              <a:buFontTx/>
-              <a:buChar char="-"/>
-            </a:pPr>
-            <a:endParaRPr lang="en-US" sz="1600" b="1" dirty="0" smtClean="0"/>
-          </a:p>
-          <a:p>
-            <a:pPr marL="285750" indent="-285750">
-              <a:buFontTx/>
-              <a:buChar char="-"/>
-            </a:pPr>
-            <a:r>
-              <a:rPr lang="en-US" sz="1600" b="1" dirty="0" smtClean="0"/>
-              <a:t>Data Model ( demo ‘Quick Type’)</a:t>
-            </a:r>
-          </a:p>
-          <a:p>
-            <a:pPr marL="285750" indent="-285750">
-              <a:buFontTx/>
-              <a:buChar char="-"/>
-            </a:pPr>
-            <a:endParaRPr lang="en-US" sz="1600" b="1" dirty="0" smtClean="0"/>
-          </a:p>
-          <a:p>
-            <a:pPr marL="285750" indent="-285750">
-              <a:buFontTx/>
-              <a:buChar char="-"/>
-            </a:pPr>
-            <a:r>
-              <a:rPr lang="en-US" sz="1600" b="1" dirty="0" smtClean="0"/>
-              <a:t>UI Binding (</a:t>
-            </a:r>
-            <a:r>
-              <a:rPr lang="en-US" sz="1600" b="1" dirty="0" err="1" smtClean="0"/>
+              <a:rPr lang="en-US" dirty="0" smtClean="0"/>
+              <a:t>, </a:t>
+            </a:r>
+            <a:r>
+              <a:rPr lang="en-US" dirty="0" err="1" smtClean="0"/>
+              <a:t>flatMapFirst</a:t>
+            </a:r>
+            <a:r>
+              <a:rPr lang="en-US" dirty="0" smtClean="0"/>
+              <a:t>, </a:t>
+            </a:r>
+            <a:r>
+              <a:rPr lang="en-US" dirty="0" err="1" smtClean="0"/>
+              <a:t>flatMapLatest</a:t>
+            </a:r>
+            <a:r>
+              <a:rPr lang="en-US" dirty="0" smtClean="0"/>
+              <a:t>)</a:t>
+            </a:r>
+            <a:endParaRPr lang="en-US" dirty="0"/>
+          </a:p>
+          <a:p>
+            <a:r>
+              <a:rPr lang="en-US" dirty="0"/>
+              <a:t>Day </a:t>
+            </a:r>
+            <a:r>
+              <a:rPr lang="en-US" dirty="0" smtClean="0"/>
+              <a:t>3 </a:t>
+            </a:r>
+            <a:r>
+              <a:rPr lang="mr-IN" dirty="0"/>
+              <a:t>–</a:t>
+            </a:r>
+            <a:r>
+              <a:rPr lang="en-US" dirty="0"/>
+              <a:t> </a:t>
+            </a:r>
+            <a:r>
+              <a:rPr lang="en-US" dirty="0" smtClean="0"/>
+              <a:t>Two VCs communications with Subject, </a:t>
+            </a:r>
+            <a:r>
+              <a:rPr lang="en-US" dirty="0" err="1" smtClean="0"/>
+              <a:t>RxCocoa</a:t>
+            </a:r>
+            <a:r>
+              <a:rPr lang="en-US" dirty="0" smtClean="0"/>
+              <a:t> (Button)</a:t>
+            </a:r>
+            <a:endParaRPr lang="en-US" dirty="0"/>
+          </a:p>
+          <a:p>
+            <a:r>
+              <a:rPr lang="en-US" dirty="0"/>
+              <a:t>Day </a:t>
+            </a:r>
+            <a:r>
+              <a:rPr lang="en-US" dirty="0" smtClean="0"/>
+              <a:t>4 </a:t>
+            </a:r>
+            <a:r>
+              <a:rPr lang="mr-IN" dirty="0"/>
+              <a:t>–</a:t>
+            </a:r>
+            <a:r>
+              <a:rPr lang="en-US" dirty="0"/>
+              <a:t> </a:t>
+            </a:r>
+            <a:r>
+              <a:rPr lang="en-US" dirty="0" smtClean="0"/>
+              <a:t>Sequential, Merged Observable Calls</a:t>
+            </a:r>
+            <a:endParaRPr lang="en-US" dirty="0"/>
+          </a:p>
+          <a:p>
+            <a:r>
+              <a:rPr lang="en-US" dirty="0"/>
+              <a:t>Day </a:t>
+            </a:r>
+            <a:r>
+              <a:rPr lang="en-US" dirty="0" smtClean="0"/>
+              <a:t>5 </a:t>
+            </a:r>
+            <a:r>
+              <a:rPr lang="mr-IN" dirty="0"/>
+              <a:t>–</a:t>
+            </a:r>
+            <a:r>
+              <a:rPr lang="en-US" dirty="0"/>
+              <a:t> </a:t>
+            </a:r>
+            <a:r>
+              <a:rPr lang="en-US" dirty="0" err="1" smtClean="0"/>
+              <a:t>RxCocoa</a:t>
+            </a:r>
+            <a:r>
+              <a:rPr lang="en-US" dirty="0" smtClean="0"/>
+              <a:t>, UI Binding (Button, </a:t>
+            </a:r>
+            <a:r>
+              <a:rPr lang="en-US" dirty="0" err="1" smtClean="0"/>
+              <a:t>TextField</a:t>
+            </a:r>
+            <a:r>
+              <a:rPr lang="en-US" dirty="0" smtClean="0"/>
+              <a:t>, Label, </a:t>
+            </a:r>
+            <a:r>
+              <a:rPr lang="en-US" dirty="0" err="1" smtClean="0"/>
               <a:t>TableView</a:t>
             </a:r>
             <a:r>
-              <a:rPr lang="en-US" sz="1600" b="1" dirty="0" smtClean="0"/>
-              <a:t> and </a:t>
-            </a:r>
-            <a:r>
-              <a:rPr lang="en-US" sz="1600" b="1" dirty="0" err="1" smtClean="0"/>
-              <a:t>ViewModel</a:t>
-            </a:r>
-            <a:r>
-              <a:rPr lang="en-US" sz="1600" b="1" dirty="0" smtClean="0"/>
+              <a:rPr lang="en-US" dirty="0" smtClean="0"/>
               <a:t>)</a:t>
             </a:r>
+            <a:endParaRPr lang="en-US" dirty="0"/>
+          </a:p>
+          <a:p>
+            <a:endParaRPr lang="en-US" dirty="0" smtClean="0"/>
           </a:p>
         </p:txBody>
       </p:sp>
     </p:spTree>
     <p:extLst>
       <p:ext uri="{BB962C8B-B14F-4D97-AF65-F5344CB8AC3E}">
-        <p14:creationId xmlns:p14="http://schemas.microsoft.com/office/powerpoint/2010/main" val="1800109826"/>
+        <p14:creationId xmlns:p14="http://schemas.microsoft.com/office/powerpoint/2010/main" val="3893518887"/>
       </p:ext>
     </p:extLst>
   </p:cSld>
@@ -4295,8 +4780,8 @@
         </p:nvSpPr>
         <p:spPr>
           <a:xfrm>
-            <a:off x="1052178" y="392575"/>
-            <a:ext cx="4539261" cy="766200"/>
+            <a:off x="814275" y="392575"/>
+            <a:ext cx="5258400" cy="766200"/>
           </a:xfrm>
           <a:prstGeom prst="rect">
             <a:avLst/>
@@ -4316,7 +4801,11 @@
             </a:pPr>
             <a:r>
               <a:rPr lang="en-US" dirty="0" smtClean="0"/>
-              <a:t>Integrate with API Call</a:t>
+              <a:t>Advanced </a:t>
+            </a:r>
+            <a:r>
+              <a:rPr lang="en-US" dirty="0" err="1" smtClean="0"/>
+              <a:t>RxSwift</a:t>
             </a:r>
             <a:endParaRPr lang="en" dirty="0"/>
           </a:p>
@@ -4393,108 +4882,209 @@
       </p:pic>
       <p:sp>
         <p:nvSpPr>
-          <p:cNvPr id="6" name="TextBox 5"/>
-          <p:cNvSpPr txBox="1"/>
-          <p:nvPr/>
+          <p:cNvPr id="9" name="Shape 237"/>
+          <p:cNvSpPr txBox="1">
+            <a:spLocks noGrp="1"/>
+          </p:cNvSpPr>
+          <p:nvPr>
+            <p:ph type="body" idx="1"/>
+          </p:nvPr>
         </p:nvSpPr>
         <p:spPr>
           <a:xfrm>
-            <a:off x="421145" y="1800227"/>
-            <a:ext cx="6488276" cy="2831545"/>
+            <a:off x="151129" y="1447005"/>
+            <a:ext cx="8891026" cy="3353768"/>
           </a:xfrm>
           <a:prstGeom prst="rect">
             <a:avLst/>
           </a:prstGeom>
-          <a:noFill/>
         </p:spPr>
         <p:txBody>
-          <a:bodyPr wrap="square" rtlCol="0">
-            <a:spAutoFit/>
+          <a:bodyPr wrap="square" lIns="91425" tIns="91425" rIns="91425" bIns="91425" anchor="ctr" anchorCtr="0">
+            <a:noAutofit/>
           </a:bodyPr>
           <a:lstStyle/>
           <a:p>
             <a:r>
-              <a:rPr lang="en-US" sz="1800" b="1" dirty="0" smtClean="0"/>
-              <a:t>API Call (create Observable)</a:t>
-            </a:r>
-          </a:p>
-          <a:p>
-            <a:endParaRPr lang="en-US" sz="1800" b="1" dirty="0" smtClean="0"/>
-          </a:p>
-          <a:p>
-            <a:pPr marL="285750" indent="-285750">
-              <a:buFontTx/>
-              <a:buChar char="-"/>
+              <a:rPr lang="en-US" dirty="0" smtClean="0"/>
+              <a:t>Day 1 </a:t>
+            </a:r>
+            <a:r>
+              <a:rPr lang="mr-IN" dirty="0" smtClean="0"/>
+              <a:t>–</a:t>
+            </a:r>
+            <a:r>
+              <a:rPr lang="en-US" dirty="0" smtClean="0"/>
+              <a:t> Protocol-Oriented Programming, Protocol Extension, </a:t>
+            </a:r>
+            <a:r>
+              <a:rPr lang="en-US" dirty="0" err="1" smtClean="0"/>
+              <a:t>Associatetype</a:t>
+            </a:r>
+            <a:endParaRPr lang="en-US" dirty="0" smtClean="0"/>
+          </a:p>
+          <a:p>
+            <a:r>
+              <a:rPr lang="en-US" b="1" dirty="0"/>
+              <a:t>Day </a:t>
+            </a:r>
+            <a:r>
+              <a:rPr lang="en-US" b="1" dirty="0" smtClean="0"/>
+              <a:t>2 </a:t>
+            </a:r>
+            <a:r>
+              <a:rPr lang="mr-IN" b="1" dirty="0"/>
+              <a:t>–</a:t>
+            </a:r>
+            <a:r>
+              <a:rPr lang="en-US" b="1" dirty="0"/>
+              <a:t> </a:t>
+            </a:r>
+            <a:r>
+              <a:rPr lang="en-US" b="1" dirty="0" smtClean="0"/>
+              <a:t>Network Call, Generic </a:t>
+            </a:r>
+            <a:r>
+              <a:rPr lang="en-US" b="1" dirty="0" err="1" smtClean="0"/>
+              <a:t>Enum</a:t>
+            </a:r>
+            <a:endParaRPr lang="en-US" b="1" dirty="0" smtClean="0"/>
+          </a:p>
+          <a:p>
+            <a:endParaRPr lang="en-US" b="1" dirty="0"/>
+          </a:p>
+          <a:p>
+            <a:r>
+              <a:rPr lang="en-US" dirty="0"/>
+              <a:t>Day </a:t>
+            </a:r>
+            <a:r>
+              <a:rPr lang="en-US" dirty="0" smtClean="0"/>
+              <a:t>3 </a:t>
+            </a:r>
+            <a:r>
+              <a:rPr lang="mr-IN" dirty="0"/>
+              <a:t>–</a:t>
+            </a:r>
+            <a:r>
+              <a:rPr lang="en-US" dirty="0"/>
+              <a:t> </a:t>
+            </a:r>
+            <a:r>
+              <a:rPr lang="en-US" dirty="0" smtClean="0"/>
+              <a:t>Binding Track Activity (show / hide ‘Loading’ )</a:t>
+            </a:r>
+            <a:endParaRPr lang="en-US" dirty="0"/>
+          </a:p>
+          <a:p>
+            <a:r>
+              <a:rPr lang="en-US" dirty="0"/>
+              <a:t>Day </a:t>
+            </a:r>
+            <a:r>
+              <a:rPr lang="en-US" dirty="0" smtClean="0"/>
+              <a:t>4 </a:t>
+            </a:r>
+            <a:r>
+              <a:rPr lang="mr-IN" dirty="0"/>
+              <a:t>–</a:t>
+            </a:r>
+            <a:r>
+              <a:rPr lang="en-US" dirty="0"/>
+              <a:t> </a:t>
+            </a:r>
+            <a:r>
+              <a:rPr lang="en-US" dirty="0" smtClean="0"/>
+              <a:t>Advanced </a:t>
+            </a:r>
+            <a:r>
+              <a:rPr lang="en-US" dirty="0" err="1" smtClean="0"/>
+              <a:t>TableView</a:t>
+            </a:r>
+            <a:r>
+              <a:rPr lang="en-US" dirty="0" smtClean="0"/>
+              <a:t> - </a:t>
+            </a:r>
+            <a:r>
+              <a:rPr lang="en-US" dirty="0" err="1" smtClean="0"/>
+              <a:t>RxDataSources</a:t>
+            </a:r>
+            <a:endParaRPr lang="en-US" dirty="0"/>
+          </a:p>
+          <a:p>
+            <a:r>
+              <a:rPr lang="en-US" dirty="0"/>
+              <a:t>Day </a:t>
+            </a:r>
+            <a:r>
+              <a:rPr lang="en-US" dirty="0" smtClean="0"/>
+              <a:t>5 </a:t>
+            </a:r>
+            <a:r>
+              <a:rPr lang="mr-IN" dirty="0"/>
+              <a:t>–</a:t>
+            </a:r>
+            <a:r>
+              <a:rPr lang="en-US" dirty="0"/>
+              <a:t> </a:t>
+            </a:r>
+            <a:r>
+              <a:rPr lang="en-US" dirty="0" smtClean="0"/>
+              <a:t>Schedulers (</a:t>
+            </a:r>
+            <a:r>
+              <a:rPr lang="en-US" dirty="0" err="1" smtClean="0"/>
+              <a:t>observeOn</a:t>
+            </a:r>
+            <a:r>
+              <a:rPr lang="en-US" dirty="0" smtClean="0"/>
+              <a:t>, </a:t>
+            </a:r>
+            <a:r>
+              <a:rPr lang="en-US" dirty="0" err="1" smtClean="0"/>
+              <a:t>subscribeOn</a:t>
+            </a:r>
+            <a:r>
+              <a:rPr lang="en-US" dirty="0" smtClean="0"/>
+              <a:t>), </a:t>
+            </a:r>
+          </a:p>
+          <a:p>
+            <a:pPr lvl="1">
+              <a:buNone/>
             </a:pPr>
-            <a:endParaRPr lang="en-US" b="1" dirty="0" smtClean="0"/>
-          </a:p>
-          <a:p>
-            <a:r>
-              <a:rPr lang="en-US" b="1" dirty="0" smtClean="0"/>
-              <a:t>Country Info</a:t>
-            </a:r>
-            <a:endParaRPr lang="en-US" b="1" dirty="0"/>
-          </a:p>
-          <a:p>
-            <a:endParaRPr lang="en-US" b="1" dirty="0" smtClean="0"/>
-          </a:p>
-          <a:p>
-            <a:r>
-              <a:rPr lang="en-US" b="1" i="1" dirty="0" smtClean="0">
-                <a:hlinkClick r:id="rId4"/>
-              </a:rPr>
-              <a:t>https</a:t>
-            </a:r>
-            <a:r>
-              <a:rPr lang="en-US" b="1" i="1" dirty="0">
-                <a:hlinkClick r:id="rId4"/>
-              </a:rPr>
-              <a:t>://restcountries.eu/rest/v2/alpha/</a:t>
-            </a:r>
-            <a:r>
-              <a:rPr lang="en-US" b="1" i="1" dirty="0" smtClean="0">
-                <a:hlinkClick r:id="rId4"/>
-              </a:rPr>
-              <a:t>DEU</a:t>
-            </a:r>
-            <a:endParaRPr lang="en-US" b="1" i="1" dirty="0" smtClean="0"/>
-          </a:p>
-          <a:p>
-            <a:endParaRPr lang="en-US" b="1" dirty="0"/>
-          </a:p>
-          <a:p>
-            <a:endParaRPr lang="en-US" b="1" dirty="0" smtClean="0"/>
-          </a:p>
-          <a:p>
-            <a:r>
-              <a:rPr lang="en-US" b="1" dirty="0" smtClean="0"/>
-              <a:t>Border Countries</a:t>
-            </a:r>
-          </a:p>
-          <a:p>
-            <a:endParaRPr lang="en-US" b="1" dirty="0" smtClean="0"/>
-          </a:p>
-          <a:p>
-            <a:r>
-              <a:rPr lang="en-US" b="1" dirty="0">
-                <a:hlinkClick r:id="rId5"/>
-              </a:rPr>
-              <a:t>https://restcountries.eu/rest/v2/alpha?codes=DEU;FRA;ITA</a:t>
-            </a:r>
-            <a:r>
-              <a:rPr lang="en-US" b="1" dirty="0" smtClean="0"/>
-              <a:t>;</a:t>
-            </a:r>
-          </a:p>
-          <a:p>
-            <a:endParaRPr lang="en-US" sz="1600" b="1" dirty="0" smtClean="0"/>
+            <a:r>
+              <a:rPr lang="en-US" dirty="0"/>
+              <a:t>	</a:t>
+            </a:r>
+            <a:r>
+              <a:rPr lang="en-US" dirty="0" smtClean="0"/>
+              <a:t>	Unit Test (</a:t>
+            </a:r>
+            <a:r>
+              <a:rPr lang="en-US" dirty="0" err="1" smtClean="0"/>
+              <a:t>RxTest</a:t>
+            </a:r>
+            <a:r>
+              <a:rPr lang="en-US" dirty="0" smtClean="0"/>
+              <a:t>, </a:t>
+            </a:r>
+            <a:r>
+              <a:rPr lang="en-US" dirty="0" err="1" smtClean="0"/>
+              <a:t>RxBlocking</a:t>
+            </a:r>
+            <a:r>
+              <a:rPr lang="en-US" dirty="0" smtClean="0"/>
+              <a:t>)</a:t>
+            </a:r>
+            <a:endParaRPr lang="en-US" dirty="0"/>
           </a:p>
         </p:txBody>
       </p:sp>
     </p:spTree>
     <p:extLst>
       <p:ext uri="{BB962C8B-B14F-4D97-AF65-F5344CB8AC3E}">
-        <p14:creationId xmlns:p14="http://schemas.microsoft.com/office/powerpoint/2010/main" val="3847534298"/>
+        <p14:creationId xmlns:p14="http://schemas.microsoft.com/office/powerpoint/2010/main" val="2784457213"/>
       </p:ext>
     </p:extLst>
   </p:cSld>
@@ -4579,8 +5169,8 @@
         </p:nvSpPr>
         <p:spPr>
           <a:xfrm>
-            <a:off x="7955818" y="4636500"/>
-            <a:ext cx="1149581" cy="315600"/>
+            <a:off x="7618000" y="4636500"/>
+            <a:ext cx="1487400" cy="315600"/>
           </a:xfrm>
           <a:prstGeom prst="rect">
             <a:avLst/>
@@ -4602,7 +5192,7 @@
               <a:rPr lang="en"/>
               <a:t>4</a:t>
             </a:fld>
-            <a:endParaRPr lang="en" dirty="0"/>
+            <a:endParaRPr lang="en"/>
           </a:p>
         </p:txBody>
       </p:sp>
@@ -4636,40 +5226,143 @@
           </a:prstGeom>
         </p:spPr>
       </p:pic>
-      <p:pic>
-        <p:nvPicPr>
-          <p:cNvPr id="3" name="Picture 2" descr="Screen Shot 2018-05-24 at 8.08.00 PM.png"/>
-          <p:cNvPicPr>
-            <a:picLocks noChangeAspect="1"/>
-          </p:cNvPicPr>
+      <p:sp>
+        <p:nvSpPr>
+          <p:cNvPr id="6" name="TextBox 5"/>
+          <p:cNvSpPr txBox="1"/>
           <p:nvPr/>
-        </p:nvPicPr>
-        <p:blipFill>
-          <a:blip r:embed="rId4">
-            <a:extLst>
-              <a:ext uri="{28A0092B-C50C-407E-A947-70E740481C1C}">
-                <a14:useLocalDpi xmlns:a14="http://schemas.microsoft.com/office/drawing/2010/main" val="0"/>
-              </a:ext>
-            </a:extLst>
-          </a:blip>
-          <a:stretch>
-            <a:fillRect/>
-          </a:stretch>
-        </p:blipFill>
+        </p:nvSpPr>
         <p:spPr>
           <a:xfrm>
-            <a:off x="0" y="1344013"/>
-            <a:ext cx="7699333" cy="3711631"/>
+            <a:off x="421145" y="1800227"/>
+            <a:ext cx="7542662" cy="2308324"/>
           </a:xfrm>
           <a:prstGeom prst="rect">
             <a:avLst/>
           </a:prstGeom>
+          <a:noFill/>
         </p:spPr>
-      </p:pic>
+        <p:txBody>
+          <a:bodyPr wrap="square" rtlCol="0">
+            <a:spAutoFit/>
+          </a:bodyPr>
+          <a:lstStyle/>
+          <a:p>
+            <a:pPr marL="285750" indent="-285750">
+              <a:buFontTx/>
+              <a:buChar char="-"/>
+            </a:pPr>
+            <a:r>
+              <a:rPr lang="en-US" sz="1600" b="1" dirty="0" smtClean="0"/>
+              <a:t>API Call (create Observable)</a:t>
+            </a:r>
+          </a:p>
+          <a:p>
+            <a:pPr marL="285750" indent="-285750">
+              <a:buFontTx/>
+              <a:buChar char="-"/>
+            </a:pPr>
+            <a:endParaRPr lang="en-US" sz="1600" b="1" dirty="0" smtClean="0"/>
+          </a:p>
+          <a:p>
+            <a:pPr marL="285750" indent="-285750">
+              <a:buFontTx/>
+              <a:buChar char="-"/>
+            </a:pPr>
+            <a:r>
+              <a:rPr lang="en-US" sz="1600" b="1" dirty="0" smtClean="0"/>
+              <a:t>Flow Control in API calls ( filter, </a:t>
+            </a:r>
+            <a:r>
+              <a:rPr lang="en-US" sz="1600" b="1" dirty="0" err="1" smtClean="0"/>
+              <a:t>flatMap</a:t>
+            </a:r>
+            <a:r>
+              <a:rPr lang="en-US" sz="1600" b="1" dirty="0" smtClean="0"/>
+              <a:t> operation in Observables)</a:t>
+            </a:r>
+          </a:p>
+          <a:p>
+            <a:pPr marL="285750" indent="-285750">
+              <a:buFontTx/>
+              <a:buChar char="-"/>
+            </a:pPr>
+            <a:endParaRPr lang="en-US" sz="1600" b="1" dirty="0" smtClean="0"/>
+          </a:p>
+          <a:p>
+            <a:pPr marL="285750" indent="-285750">
+              <a:buFontTx/>
+              <a:buChar char="-"/>
+            </a:pPr>
+            <a:r>
+              <a:rPr lang="en-US" sz="1600" b="1" dirty="0" smtClean="0"/>
+              <a:t>Create View Model ( </a:t>
+            </a:r>
+            <a:r>
+              <a:rPr lang="en-US" sz="1600" b="1" dirty="0" err="1" smtClean="0"/>
+              <a:t>BehaviorSubject</a:t>
+            </a:r>
+            <a:r>
+              <a:rPr lang="en-US" sz="1600" b="1" dirty="0" smtClean="0"/>
+              <a:t> )</a:t>
+            </a:r>
+          </a:p>
+          <a:p>
+            <a:pPr marL="285750" indent="-285750">
+              <a:buFontTx/>
+              <a:buChar char="-"/>
+            </a:pPr>
+            <a:endParaRPr lang="en-US" sz="1600" b="1" dirty="0" smtClean="0"/>
+          </a:p>
+          <a:p>
+            <a:pPr marL="285750" indent="-285750">
+              <a:buFontTx/>
+              <a:buChar char="-"/>
+            </a:pPr>
+            <a:r>
+              <a:rPr lang="en-US" sz="1600" b="1" dirty="0" smtClean="0"/>
+              <a:t>Data Model ( demo ‘Quick Type’)</a:t>
+            </a:r>
+          </a:p>
+          <a:p>
+            <a:pPr marL="285750" indent="-285750">
+              <a:buFontTx/>
+              <a:buChar char="-"/>
+            </a:pPr>
+            <a:endParaRPr lang="en-US" sz="1600" b="1" dirty="0" smtClean="0"/>
+          </a:p>
+          <a:p>
+            <a:pPr marL="285750" indent="-285750">
+              <a:buFontTx/>
+              <a:buChar char="-"/>
+            </a:pPr>
+            <a:r>
+              <a:rPr lang="en-US" sz="1600" b="1" dirty="0" smtClean="0"/>
+              <a:t>UI Binding (</a:t>
+            </a:r>
+            <a:r>
+              <a:rPr lang="en-US" sz="1600" b="1" dirty="0" err="1" smtClean="0"/>
+              <a:t>TableView</a:t>
+            </a:r>
+            <a:r>
+              <a:rPr lang="en-US" sz="1600" b="1" dirty="0" smtClean="0"/>
+              <a:t> and </a:t>
+            </a:r>
+            <a:r>
+              <a:rPr lang="en-US" sz="1600" b="1" dirty="0" err="1" smtClean="0"/>
+              <a:t>ViewModel</a:t>
+            </a:r>
+            <a:r>
+              <a:rPr lang="en-US" sz="1600" b="1" dirty="0" smtClean="0"/>
+              <a:t>)</a:t>
+            </a:r>
+          </a:p>
+        </p:txBody>
+      </p:sp>
     </p:spTree>
     <p:extLst>
       <p:ext uri="{BB962C8B-B14F-4D97-AF65-F5344CB8AC3E}">
-        <p14:creationId xmlns:p14="http://schemas.microsoft.com/office/powerpoint/2010/main" val="2357751139"/>
+        <p14:creationId xmlns:p14="http://schemas.microsoft.com/office/powerpoint/2010/main" val="1800109826"/>
       </p:ext>
     </p:extLst>
   </p:cSld>
@@ -4715,8 +5408,8 @@
         </p:nvSpPr>
         <p:spPr>
           <a:xfrm>
-            <a:off x="814275" y="392575"/>
-            <a:ext cx="5258400" cy="766200"/>
+            <a:off x="1052178" y="392575"/>
+            <a:ext cx="4539261" cy="766200"/>
           </a:xfrm>
           <a:prstGeom prst="rect">
             <a:avLst/>
@@ -4736,11 +5429,7 @@
             </a:pPr>
             <a:r>
               <a:rPr lang="en-US" dirty="0" smtClean="0"/>
-              <a:t>Generic </a:t>
-            </a:r>
-            <a:r>
-              <a:rPr lang="en-US" dirty="0" err="1" smtClean="0"/>
-              <a:t>Enum</a:t>
+              <a:t>Integrate with API Call</a:t>
             </a:r>
             <a:endParaRPr lang="en" dirty="0"/>
           </a:p>
@@ -4817,52 +5506,108 @@
       </p:pic>
       <p:sp>
         <p:nvSpPr>
-          <p:cNvPr id="9" name="Shape 237"/>
-          <p:cNvSpPr txBox="1">
-            <a:spLocks noGrp="1"/>
-          </p:cNvSpPr>
-          <p:nvPr>
-            <p:ph type="body" idx="1"/>
-          </p:nvPr>
+          <p:cNvPr id="6" name="TextBox 5"/>
+          <p:cNvSpPr txBox="1"/>
+          <p:nvPr/>
         </p:nvSpPr>
         <p:spPr>
           <a:xfrm>
-            <a:off x="554601" y="1650424"/>
-            <a:ext cx="8115791" cy="2471471"/>
+            <a:off x="421145" y="1800227"/>
+            <a:ext cx="6488276" cy="2831545"/>
           </a:xfrm>
           <a:prstGeom prst="rect">
             <a:avLst/>
           </a:prstGeom>
+          <a:noFill/>
         </p:spPr>
         <p:txBody>
-          <a:bodyPr wrap="square" lIns="91425" tIns="91425" rIns="91425" bIns="91425" anchor="ctr" anchorCtr="0">
-            <a:noAutofit/>
+          <a:bodyPr wrap="square" rtlCol="0">
+            <a:spAutoFit/>
           </a:bodyPr>
           <a:lstStyle/>
           <a:p>
             <a:r>
+              <a:rPr lang="en-US" sz="1800" b="1" dirty="0" smtClean="0"/>
+              <a:t>API Call (create Observable)</a:t>
+            </a:r>
+          </a:p>
+          <a:p>
+            <a:endParaRPr lang="en-US" sz="1800" b="1" dirty="0" smtClean="0"/>
+          </a:p>
+          <a:p>
+            <a:pPr marL="285750" indent="-285750">
+              <a:buFontTx/>
+              <a:buChar char="-"/>
+            </a:pPr>
+            <a:endParaRPr lang="en-US" b="1" dirty="0" smtClean="0"/>
+          </a:p>
+          <a:p>
+            <a:r>
               <a:rPr lang="en-US" b="1" dirty="0" smtClean="0"/>
-              <a:t>Generic </a:t>
-            </a:r>
-            <a:r>
-              <a:rPr lang="en-US" b="1" dirty="0" err="1" smtClean="0"/>
-              <a:t>Enum</a:t>
-            </a:r>
+              <a:t>Country Info</a:t>
+            </a:r>
+            <a:endParaRPr lang="en-US" b="1" dirty="0"/>
+          </a:p>
+          <a:p>
+            <a:endParaRPr lang="en-US" b="1" dirty="0" smtClean="0"/>
+          </a:p>
+          <a:p>
+            <a:r>
+              <a:rPr lang="en-US" b="1" i="1" dirty="0" smtClean="0">
+                <a:hlinkClick r:id="rId4"/>
+              </a:rPr>
+              <a:t>https</a:t>
+            </a:r>
+            <a:r>
+              <a:rPr lang="en-US" b="1" i="1" dirty="0">
+                <a:hlinkClick r:id="rId4"/>
+              </a:rPr>
+              <a:t>://restcountries.eu/rest/v2/alpha/</a:t>
+            </a:r>
+            <a:r>
+              <a:rPr lang="en-US" b="1" i="1" dirty="0" smtClean="0">
+                <a:hlinkClick r:id="rId4"/>
+              </a:rPr>
+              <a:t>DEU</a:t>
+            </a:r>
+            <a:endParaRPr lang="en-US" b="1" i="1" dirty="0" smtClean="0"/>
+          </a:p>
+          <a:p>
+            <a:endParaRPr lang="en-US" b="1" dirty="0"/>
+          </a:p>
+          <a:p>
+            <a:endParaRPr lang="en-US" b="1" dirty="0" smtClean="0"/>
+          </a:p>
+          <a:p>
             <a:r>
               <a:rPr lang="en-US" b="1" dirty="0" smtClean="0"/>
-              <a:t> </a:t>
+              <a:t>Border Countries</a:t>
+            </a:r>
+          </a:p>
+          <a:p>
+            <a:endParaRPr lang="en-US" b="1" dirty="0" smtClean="0"/>
+          </a:p>
+          <a:p>
+            <a:r>
+              <a:rPr lang="en-US" b="1" dirty="0">
+                <a:hlinkClick r:id="rId5"/>
+              </a:rPr>
+              <a:t>https://restcountries.eu/rest/v2/alpha?codes=DEU;FRA;ITA</a:t>
             </a:r>
             <a:r>
               <a:rPr lang="en-US" b="1" dirty="0" smtClean="0"/>
-              <a:t>(Video)</a:t>
-            </a:r>
+              <a:t>;</a:t>
+            </a:r>
+          </a:p>
+          <a:p>
+            <a:endParaRPr lang="en-US" sz="1600" b="1" dirty="0" smtClean="0"/>
           </a:p>
         </p:txBody>
       </p:sp>
     </p:spTree>
     <p:extLst>
       <p:ext uri="{BB962C8B-B14F-4D97-AF65-F5344CB8AC3E}">
-        <p14:creationId xmlns:p14="http://schemas.microsoft.com/office/powerpoint/2010/main" val="3055957604"/>
+        <p14:creationId xmlns:p14="http://schemas.microsoft.com/office/powerpoint/2010/main" val="3847534298"/>
       </p:ext>
     </p:extLst>
   </p:cSld>
@@ -4908,8 +5653,8 @@
         </p:nvSpPr>
         <p:spPr>
           <a:xfrm>
-            <a:off x="814275" y="392575"/>
-            <a:ext cx="5258400" cy="766200"/>
+            <a:off x="1052178" y="392575"/>
+            <a:ext cx="4539261" cy="766200"/>
           </a:xfrm>
           <a:prstGeom prst="rect">
             <a:avLst/>
@@ -4929,7 +5674,7 @@
             </a:pPr>
             <a:r>
               <a:rPr lang="en-US" dirty="0" smtClean="0"/>
-              <a:t>Error Handling with Result Type</a:t>
+              <a:t>Integrate with API Call</a:t>
             </a:r>
             <a:endParaRPr lang="en" dirty="0"/>
           </a:p>
@@ -4947,8 +5692,8 @@
         </p:nvSpPr>
         <p:spPr>
           <a:xfrm>
-            <a:off x="7618000" y="4636500"/>
-            <a:ext cx="1487400" cy="315600"/>
+            <a:off x="7955818" y="4636500"/>
+            <a:ext cx="1149581" cy="315600"/>
           </a:xfrm>
           <a:prstGeom prst="rect">
             <a:avLst/>
@@ -4970,7 +5715,7 @@
               <a:rPr lang="en"/>
               <a:t>6</a:t>
             </a:fld>
-            <a:endParaRPr lang="en"/>
+            <a:endParaRPr lang="en" dirty="0"/>
           </a:p>
         </p:txBody>
       </p:sp>
@@ -5004,46 +5749,40 @@
           </a:prstGeom>
         </p:spPr>
       </p:pic>
-      <p:sp>
-        <p:nvSpPr>
-          <p:cNvPr id="9" name="Shape 237"/>
-          <p:cNvSpPr txBox="1">
-            <a:spLocks noGrp="1"/>
-          </p:cNvSpPr>
-          <p:nvPr>
-            <p:ph type="body" idx="1"/>
-          </p:nvPr>
-        </p:nvSpPr>
+      <p:pic>
+        <p:nvPicPr>
+          <p:cNvPr id="3" name="Picture 2" descr="Screen Shot 2018-05-24 at 8.08.00 PM.png"/>
+          <p:cNvPicPr>
+            <a:picLocks noChangeAspect="1"/>
+          </p:cNvPicPr>
+          <p:nvPr/>
+        </p:nvPicPr>
+        <p:blipFill>
+          <a:blip r:embed="rId4">
+            <a:extLst>
+              <a:ext uri="{28A0092B-C50C-407E-A947-70E740481C1C}">
+                <a14:useLocalDpi xmlns:a14="http://schemas.microsoft.com/office/drawing/2010/main" val="0"/>
+              </a:ext>
+            </a:extLst>
+          </a:blip>
+          <a:stretch>
+            <a:fillRect/>
+          </a:stretch>
+        </p:blipFill>
         <p:spPr>
           <a:xfrm>
-            <a:off x="554601" y="1650424"/>
-            <a:ext cx="8115791" cy="2471471"/>
+            <a:off x="0" y="1344013"/>
+            <a:ext cx="7699333" cy="3711631"/>
           </a:xfrm>
           <a:prstGeom prst="rect">
             <a:avLst/>
           </a:prstGeom>
         </p:spPr>
-        <p:txBody>
-          <a:bodyPr wrap="square" lIns="91425" tIns="91425" rIns="91425" bIns="91425" anchor="ctr" anchorCtr="0">
-            <a:noAutofit/>
-          </a:bodyPr>
-          <a:lstStyle/>
-          <a:p>
-            <a:r>
-              <a:rPr lang="en-US" b="1" dirty="0" smtClean="0"/>
-              <a:t>Error Handling with Result Type (</a:t>
-            </a:r>
-            <a:r>
-              <a:rPr lang="en-US" b="1" dirty="0" smtClean="0"/>
-              <a:t>Video)</a:t>
-            </a:r>
-          </a:p>
-        </p:txBody>
-      </p:sp>
+      </p:pic>
     </p:spTree>
     <p:extLst>
       <p:ext uri="{BB962C8B-B14F-4D97-AF65-F5344CB8AC3E}">
-        <p14:creationId xmlns:p14="http://schemas.microsoft.com/office/powerpoint/2010/main" val="1279156146"/>
+        <p14:creationId xmlns:p14="http://schemas.microsoft.com/office/powerpoint/2010/main" val="2357751139"/>
       </p:ext>
     </p:extLst>
   </p:cSld>
@@ -5089,8 +5828,8 @@
         </p:nvSpPr>
         <p:spPr>
           <a:xfrm>
-            <a:off x="1052178" y="392575"/>
-            <a:ext cx="4539261" cy="766200"/>
+            <a:off x="814275" y="392575"/>
+            <a:ext cx="5258400" cy="766200"/>
           </a:xfrm>
           <a:prstGeom prst="rect">
             <a:avLst/>
@@ -5110,7 +5849,11 @@
             </a:pPr>
             <a:r>
               <a:rPr lang="en-US" dirty="0" smtClean="0"/>
-              <a:t>Integrate with API Call</a:t>
+              <a:t>Generic </a:t>
+            </a:r>
+            <a:r>
+              <a:rPr lang="en-US" dirty="0" err="1" smtClean="0"/>
+              <a:t>Enum</a:t>
             </a:r>
             <a:endParaRPr lang="en" dirty="0"/>
           </a:p>
@@ -5187,80 +5930,48 @@
       </p:pic>
       <p:sp>
         <p:nvSpPr>
-          <p:cNvPr id="6" name="TextBox 5"/>
-          <p:cNvSpPr txBox="1"/>
-          <p:nvPr/>
+          <p:cNvPr id="9" name="Shape 237"/>
+          <p:cNvSpPr txBox="1">
+            <a:spLocks noGrp="1"/>
+          </p:cNvSpPr>
+          <p:nvPr>
+            <p:ph type="body" idx="1"/>
+          </p:nvPr>
         </p:nvSpPr>
         <p:spPr>
           <a:xfrm>
-            <a:off x="326860" y="1894913"/>
-            <a:ext cx="8389366" cy="1446550"/>
+            <a:off x="554601" y="1650424"/>
+            <a:ext cx="8115791" cy="2471471"/>
           </a:xfrm>
           <a:prstGeom prst="rect">
             <a:avLst/>
           </a:prstGeom>
-          <a:noFill/>
         </p:spPr>
         <p:txBody>
-          <a:bodyPr wrap="square" rtlCol="0">
-            <a:spAutoFit/>
+          <a:bodyPr wrap="square" lIns="91425" tIns="91425" rIns="91425" bIns="91425" anchor="ctr" anchorCtr="0">
+            <a:noAutofit/>
           </a:bodyPr>
           <a:lstStyle/>
           <a:p>
             <a:r>
-              <a:rPr lang="en-US" sz="1800" b="1" dirty="0" smtClean="0"/>
+              <a:rPr lang="en-US" b="1" dirty="0" smtClean="0"/>
               <a:t>Generic </a:t>
             </a:r>
             <a:r>
-              <a:rPr lang="en-US" sz="1800" b="1" dirty="0" err="1" smtClean="0"/>
+              <a:rPr lang="en-US" b="1" dirty="0" err="1" smtClean="0"/>
               <a:t>Enum</a:t>
             </a:r>
             <a:r>
-              <a:rPr lang="en-US" sz="1800" b="1" dirty="0" smtClean="0"/>
-              <a:t> : Result in </a:t>
-            </a:r>
-            <a:r>
-              <a:rPr lang="en-US" sz="1800" b="1" dirty="0" err="1" smtClean="0"/>
-              <a:t>AlamoFire</a:t>
-            </a:r>
-            <a:endParaRPr lang="en-US" sz="1800" b="1" dirty="0" smtClean="0"/>
-          </a:p>
-          <a:p>
-            <a:endParaRPr lang="en-US" sz="1800" b="1" dirty="0"/>
-          </a:p>
-          <a:p>
-            <a:endParaRPr lang="en-US" sz="1800" b="1" dirty="0" smtClean="0"/>
-          </a:p>
-          <a:p>
-            <a:r>
-              <a:rPr lang="en-US" sz="1800" b="1" i="1" dirty="0" smtClean="0">
-                <a:hlinkClick r:id="rId4"/>
-              </a:rPr>
-              <a:t>https</a:t>
-            </a:r>
-            <a:r>
-              <a:rPr lang="en-US" sz="1800" b="1" i="1" dirty="0">
-                <a:hlinkClick r:id="rId4"/>
-              </a:rPr>
-              <a:t>://github.com/Alamofire/Alamofire/blob/master/Source/</a:t>
-            </a:r>
-            <a:r>
-              <a:rPr lang="en-US" sz="1800" b="1" i="1" dirty="0" smtClean="0">
-                <a:hlinkClick r:id="rId4"/>
-              </a:rPr>
-              <a:t>Result.swift</a:t>
-            </a:r>
-            <a:endParaRPr lang="en-US" sz="1800" b="1" i="1" dirty="0" smtClean="0"/>
-          </a:p>
-          <a:p>
-            <a:endParaRPr lang="en-US" sz="1600" b="1" dirty="0" smtClean="0"/>
+              <a:rPr lang="en-US" b="1" dirty="0" smtClean="0"/>
+              <a:t> (Video)</a:t>
+            </a:r>
           </a:p>
         </p:txBody>
       </p:sp>
     </p:spTree>
     <p:extLst>
       <p:ext uri="{BB962C8B-B14F-4D97-AF65-F5344CB8AC3E}">
-        <p14:creationId xmlns:p14="http://schemas.microsoft.com/office/powerpoint/2010/main" val="4284006263"/>
+        <p14:creationId xmlns:p14="http://schemas.microsoft.com/office/powerpoint/2010/main" val="3055957604"/>
       </p:ext>
     </p:extLst>
   </p:cSld>
@@ -5296,6 +6007,45 @@
       </p:grpSpPr>
       <p:sp>
         <p:nvSpPr>
+          <p:cNvPr id="189" name="Shape 189"/>
+          <p:cNvSpPr txBox="1">
+            <a:spLocks noGrp="1"/>
+          </p:cNvSpPr>
+          <p:nvPr>
+            <p:ph type="title"/>
+          </p:nvPr>
+        </p:nvSpPr>
+        <p:spPr>
+          <a:xfrm>
+            <a:off x="814275" y="392575"/>
+            <a:ext cx="5258400" cy="766200"/>
+          </a:xfrm>
+          <a:prstGeom prst="rect">
+            <a:avLst/>
+          </a:prstGeom>
+        </p:spPr>
+        <p:txBody>
+          <a:bodyPr wrap="square" lIns="91425" tIns="91425" rIns="91425" bIns="91425" anchor="ctr" anchorCtr="0">
+            <a:noAutofit/>
+          </a:bodyPr>
+          <a:lstStyle/>
+          <a:p>
+            <a:pPr lvl="0" rtl="0">
+              <a:spcBef>
+                <a:spcPts val="0"/>
+              </a:spcBef>
+              <a:buNone/>
+            </a:pPr>
+            <a:r>
+              <a:rPr lang="en-US" dirty="0" smtClean="0"/>
+              <a:t>Error Handling with Result Type</a:t>
+            </a:r>
+            <a:endParaRPr lang="en" dirty="0"/>
+          </a:p>
+        </p:txBody>
+      </p:sp>
+      <p:sp>
+        <p:nvSpPr>
           <p:cNvPr id="192" name="Shape 192"/>
           <p:cNvSpPr txBox="1">
             <a:spLocks noGrp="1"/>
@@ -5365,37 +6115,161 @@
       </p:pic>
       <p:sp>
         <p:nvSpPr>
-          <p:cNvPr id="5" name="Title 4"/>
-          <p:cNvSpPr>
+          <p:cNvPr id="9" name="Shape 237"/>
+          <p:cNvSpPr txBox="1">
+            <a:spLocks noGrp="1"/>
+          </p:cNvSpPr>
+          <p:nvPr>
+            <p:ph type="body" idx="1"/>
+          </p:nvPr>
+        </p:nvSpPr>
+        <p:spPr>
+          <a:xfrm>
+            <a:off x="554601" y="1650424"/>
+            <a:ext cx="8115791" cy="2471471"/>
+          </a:xfrm>
+          <a:prstGeom prst="rect">
+            <a:avLst/>
+          </a:prstGeom>
+        </p:spPr>
+        <p:txBody>
+          <a:bodyPr wrap="square" lIns="91425" tIns="91425" rIns="91425" bIns="91425" anchor="ctr" anchorCtr="0">
+            <a:noAutofit/>
+          </a:bodyPr>
+          <a:lstStyle/>
+          <a:p>
+            <a:r>
+              <a:rPr lang="en-US" b="1" dirty="0" smtClean="0"/>
+              <a:t>Error Handling with Result Type (Video)</a:t>
+            </a:r>
+          </a:p>
+        </p:txBody>
+      </p:sp>
+    </p:spTree>
+    <p:extLst>
+      <p:ext uri="{BB962C8B-B14F-4D97-AF65-F5344CB8AC3E}">
+        <p14:creationId xmlns:p14="http://schemas.microsoft.com/office/powerpoint/2010/main" val="1279156146"/>
+      </p:ext>
+    </p:extLst>
+  </p:cSld>
+  <p:clrMapOvr>
+    <a:masterClrMapping/>
+  </p:clrMapOvr>
+  <p:timing>
+    <p:tnLst>
+      <p:par>
+        <p:cTn xmlns:p14="http://schemas.microsoft.com/office/powerpoint/2010/main" id="1" dur="indefinite" restart="never" nodeType="tmRoot"/>
+      </p:par>
+    </p:tnLst>
+  </p:timing>
+</p:sld>
+</file>
+
+<file path=ppt/slides/slide9.xml><?xml version="1.0" encoding="utf-8"?>
+<p:sld xmlns:a="http://schemas.openxmlformats.org/drawingml/2006/main" xmlns:r="http://schemas.openxmlformats.org/officeDocument/2006/relationships" xmlns:p="http://schemas.openxmlformats.org/presentationml/2006/main">
+  <p:cSld>
+    <p:spTree>
+      <p:nvGrpSpPr>
+        <p:cNvPr id="1" name="Shape 188"/>
+        <p:cNvGrpSpPr/>
+        <p:nvPr/>
+      </p:nvGrpSpPr>
+      <p:grpSpPr>
+        <a:xfrm>
+          <a:off x="0" y="0"/>
+          <a:ext cx="0" cy="0"/>
+          <a:chOff x="0" y="0"/>
+          <a:chExt cx="0" cy="0"/>
+        </a:xfrm>
+      </p:grpSpPr>
+      <p:sp>
+        <p:nvSpPr>
+          <p:cNvPr id="189" name="Shape 189"/>
+          <p:cNvSpPr txBox="1">
             <a:spLocks noGrp="1"/>
           </p:cNvSpPr>
           <p:nvPr>
             <p:ph type="title"/>
           </p:nvPr>
         </p:nvSpPr>
-        <p:spPr/>
+        <p:spPr>
+          <a:xfrm>
+            <a:off x="1052178" y="392575"/>
+            <a:ext cx="4539261" cy="766200"/>
+          </a:xfrm>
+          <a:prstGeom prst="rect">
+            <a:avLst/>
+          </a:prstGeom>
+        </p:spPr>
         <p:txBody>
-          <a:bodyPr/>
+          <a:bodyPr wrap="square" lIns="91425" tIns="91425" rIns="91425" bIns="91425" anchor="ctr" anchorCtr="0">
+            <a:noAutofit/>
+          </a:bodyPr>
           <a:lstStyle/>
           <a:p>
+            <a:pPr lvl="0" rtl="0">
+              <a:spcBef>
+                <a:spcPts val="0"/>
+              </a:spcBef>
+              <a:buNone/>
+            </a:pPr>
             <a:r>
               <a:rPr lang="en-US" dirty="0" smtClean="0"/>
-              <a:t>Lab</a:t>
-            </a:r>
-            <a:endParaRPr lang="en-US" dirty="0"/>
+              <a:t>Integrate with API Call</a:t>
+            </a:r>
+            <a:endParaRPr lang="en" dirty="0"/>
+          </a:p>
+        </p:txBody>
+      </p:sp>
+      <p:sp>
+        <p:nvSpPr>
+          <p:cNvPr id="192" name="Shape 192"/>
+          <p:cNvSpPr txBox="1">
+            <a:spLocks noGrp="1"/>
+          </p:cNvSpPr>
+          <p:nvPr>
+            <p:ph type="sldNum" idx="12"/>
+          </p:nvPr>
+        </p:nvSpPr>
+        <p:spPr>
+          <a:xfrm>
+            <a:off x="7618000" y="4636500"/>
+            <a:ext cx="1487400" cy="315600"/>
+          </a:xfrm>
+          <a:prstGeom prst="rect">
+            <a:avLst/>
+          </a:prstGeom>
+        </p:spPr>
+        <p:txBody>
+          <a:bodyPr wrap="square" lIns="91425" tIns="91425" rIns="91425" bIns="91425" anchor="ctr" anchorCtr="0">
+            <a:noAutofit/>
+          </a:bodyPr>
+          <a:lstStyle/>
+          <a:p>
+            <a:pPr lvl="0">
+              <a:spcBef>
+                <a:spcPts val="0"/>
+              </a:spcBef>
+              <a:buNone/>
+            </a:pPr>
+            <a:fld id="{00000000-1234-1234-1234-123412341234}" type="slidenum">
+              <a:rPr lang="en"/>
+              <a:t>9</a:t>
+            </a:fld>
+            <a:endParaRPr lang="en"/>
           </a:p>
         </p:txBody>
       </p:sp>
       <p:pic>
         <p:nvPicPr>
-          <p:cNvPr id="4" name="Picture 3" descr="Screen Shot 2018-05-24 at 8.15.30 PM.png"/>
+          <p:cNvPr id="2" name="Picture 1" descr="Rx_Logo_M.png"/>
           <p:cNvPicPr>
             <a:picLocks noChangeAspect="1"/>
           </p:cNvPicPr>
           <p:nvPr/>
         </p:nvPicPr>
         <p:blipFill>
-          <a:blip r:embed="rId4">
+          <a:blip r:embed="rId3">
             <a:extLst>
               <a:ext uri="{28A0092B-C50C-407E-A947-70E740481C1C}">
                 <a14:useLocalDpi xmlns:a14="http://schemas.microsoft.com/office/drawing/2010/main" val="0"/>
@@ -5408,81 +6282,90 @@
         </p:blipFill>
         <p:spPr>
           <a:xfrm>
-            <a:off x="1828751" y="1443722"/>
-            <a:ext cx="2069702" cy="3699778"/>
+            <a:off x="151129" y="442005"/>
+            <a:ext cx="663146" cy="663146"/>
           </a:xfrm>
           <a:prstGeom prst="rect">
             <a:avLst/>
           </a:prstGeom>
         </p:spPr>
       </p:pic>
-      <p:pic>
-        <p:nvPicPr>
-          <p:cNvPr id="6" name="Picture 5" descr="Screen Shot 2018-05-24 at 8.15.45 PM.png"/>
-          <p:cNvPicPr>
-            <a:picLocks noChangeAspect="1"/>
-          </p:cNvPicPr>
+      <p:sp>
+        <p:nvSpPr>
+          <p:cNvPr id="6" name="TextBox 5"/>
+          <p:cNvSpPr txBox="1"/>
           <p:nvPr/>
-        </p:nvPicPr>
-        <p:blipFill>
-          <a:blip r:embed="rId5">
-            <a:extLst>
-              <a:ext uri="{28A0092B-C50C-407E-A947-70E740481C1C}">
-                <a14:useLocalDpi xmlns:a14="http://schemas.microsoft.com/office/drawing/2010/main" val="0"/>
-              </a:ext>
-            </a:extLst>
-          </a:blip>
-          <a:stretch>
-            <a:fillRect/>
-          </a:stretch>
-        </p:blipFill>
+        </p:nvSpPr>
         <p:spPr>
           <a:xfrm>
-            <a:off x="4716079" y="1443722"/>
-            <a:ext cx="2057579" cy="3668285"/>
+            <a:off x="326860" y="1894913"/>
+            <a:ext cx="8389366" cy="1446550"/>
           </a:xfrm>
           <a:prstGeom prst="rect">
             <a:avLst/>
           </a:prstGeom>
+          <a:noFill/>
         </p:spPr>
-      </p:pic>
-      <p:cxnSp>
-        <p:nvCxnSpPr>
-          <p:cNvPr id="8" name="Straight Arrow Connector 7"/>
-          <p:cNvCxnSpPr/>
-          <p:nvPr/>
-        </p:nvCxnSpPr>
-        <p:spPr>
-          <a:xfrm>
-            <a:off x="3977939" y="2364093"/>
-            <a:ext cx="670972" cy="7987"/>
-          </a:xfrm>
-          <a:prstGeom prst="straightConnector1">
-            <a:avLst/>
-          </a:prstGeom>
-          <a:ln>
-            <a:tailEnd type="arrow"/>
-          </a:ln>
-        </p:spPr>
-        <p:style>
-          <a:lnRef idx="2">
-            <a:schemeClr val="accent1"/>
-          </a:lnRef>
-          <a:fillRef idx="0">
-            <a:schemeClr val="accent1"/>
-          </a:fillRef>
-          <a:effectRef idx="1">
-            <a:schemeClr val="accent1"/>
-          </a:effectRef>
-          <a:fontRef idx="minor">
-            <a:schemeClr val="tx1"/>
-          </a:fontRef>
-        </p:style>
-      </p:cxnSp>
+        <p:txBody>
+          <a:bodyPr wrap="square" rtlCol="0">
+            <a:spAutoFit/>
+          </a:bodyPr>
+          <a:lstStyle/>
+          <a:p>
+            <a:r>
+              <a:rPr lang="en-US" sz="1800" b="1" dirty="0" smtClean="0"/>
+              <a:t>Generic </a:t>
+            </a:r>
+            <a:r>
+              <a:rPr lang="en-US" sz="1800" b="1" dirty="0" err="1" smtClean="0"/>
+              <a:t>Enum</a:t>
+            </a:r>
+            <a:r>
+              <a:rPr lang="en-US" sz="1800" b="1" dirty="0" smtClean="0"/>
+              <a:t> : Result in </a:t>
+            </a:r>
+            <a:r>
+              <a:rPr lang="en-US" sz="1800" b="1" dirty="0" err="1" smtClean="0"/>
+              <a:t>AlamoFire</a:t>
+            </a:r>
+            <a:endParaRPr lang="en-US" sz="1800" b="1" dirty="0" smtClean="0"/>
+          </a:p>
+          <a:p>
+            <a:endParaRPr lang="en-US" sz="1800" b="1" dirty="0"/>
+          </a:p>
+          <a:p>
+            <a:endParaRPr lang="en-US" sz="1800" b="1" dirty="0" smtClean="0"/>
+          </a:p>
+          <a:p>
+            <a:r>
+              <a:rPr lang="en-US" sz="1800" b="1" i="1" dirty="0" smtClean="0">
+                <a:hlinkClick r:id="rId4"/>
+              </a:rPr>
+              <a:t>https</a:t>
+            </a:r>
+            <a:r>
+              <a:rPr lang="en-US" sz="1800" b="1" i="1" dirty="0">
+                <a:hlinkClick r:id="rId4"/>
+              </a:rPr>
+              <a:t>://github.com/Alamofire/Alamofire/blob/master/Source/</a:t>
+            </a:r>
+            <a:r>
+              <a:rPr lang="en-US" sz="1800" b="1" i="1" dirty="0" smtClean="0">
+                <a:hlinkClick r:id="rId4"/>
+              </a:rPr>
+              <a:t>Result.swift</a:t>
+            </a:r>
+            <a:endParaRPr lang="en-US" sz="1800" b="1" i="1" dirty="0" smtClean="0"/>
+          </a:p>
+          <a:p>
+            <a:endParaRPr lang="en-US" sz="1600" b="1" dirty="0" smtClean="0"/>
+          </a:p>
+        </p:txBody>
+      </p:sp>
     </p:spTree>
     <p:extLst>
       <p:ext uri="{BB962C8B-B14F-4D97-AF65-F5344CB8AC3E}">
-        <p14:creationId xmlns:p14="http://schemas.microsoft.com/office/powerpoint/2010/main" val="554180485"/>
+        <p14:creationId xmlns:p14="http://schemas.microsoft.com/office/powerpoint/2010/main" val="4284006263"/>
       </p:ext>
     </p:extLst>
   </p:cSld>

--- a/AdvancedRxSwift/day2/AdvancedRxSwift2.pptx
+++ b/AdvancedRxSwift/day2/AdvancedRxSwift2.pptx
@@ -4574,11 +4574,7 @@
             </a:r>
             <a:r>
               <a:rPr lang="en-US" dirty="0" smtClean="0"/>
-              <a:t> Observable, Operator (Filter, Transform, Combine</a:t>
-            </a:r>
-            <a:r>
-              <a:rPr lang="en-US" dirty="0" smtClean="0"/>
-              <a:t>)</a:t>
+              <a:t> Observable, Operator (Filter, Transform, Combine)</a:t>
             </a:r>
             <a:endParaRPr lang="en-US" b="1" dirty="0" smtClean="0"/>
           </a:p>
@@ -4994,19 +4990,33 @@
               <a:t> </a:t>
             </a:r>
             <a:r>
-              <a:rPr lang="en-US" dirty="0" smtClean="0"/>
-              <a:t>Advanced </a:t>
-            </a:r>
-            <a:r>
-              <a:rPr lang="en-US" dirty="0" err="1" smtClean="0"/>
+              <a:rPr lang="en-US" dirty="0"/>
+              <a:t>Adding a Reactive Extension to Custom UI Element, </a:t>
+            </a:r>
+          </a:p>
+          <a:p>
+            <a:r>
+              <a:rPr lang="en-US" dirty="0"/>
+              <a:t>              2 Way Binding, Advanced </a:t>
+            </a:r>
+            <a:r>
+              <a:rPr lang="en-US" dirty="0" err="1"/>
               <a:t>TableView</a:t>
             </a:r>
             <a:r>
-              <a:rPr lang="en-US" dirty="0" smtClean="0"/>
-              <a:t> - </a:t>
-            </a:r>
-            <a:r>
-              <a:rPr lang="en-US" dirty="0" err="1" smtClean="0"/>
+              <a:rPr lang="en-US" dirty="0"/>
+              <a:t> </a:t>
+            </a:r>
+            <a:r>
+              <a:rPr lang="mr-IN" dirty="0"/>
+              <a:t>–</a:t>
+            </a:r>
+            <a:r>
+              <a:rPr lang="en-US" dirty="0"/>
+              <a:t> </a:t>
+            </a:r>
+            <a:r>
+              <a:rPr lang="en-US" smtClean="0"/>
               <a:t>RxDataSources</a:t>
             </a:r>
             <a:endParaRPr lang="en-US" dirty="0"/>

--- a/AdvancedRxSwift/day2/AdvancedRxSwift2.pptx
+++ b/AdvancedRxSwift/day2/AdvancedRxSwift2.pptx
@@ -4968,7 +4968,15 @@
             </a:r>
             <a:r>
               <a:rPr lang="en-US" dirty="0" smtClean="0"/>
-              <a:t>Binding Track Activity (show / hide ‘Loading’ )</a:t>
+              <a:t>Binding Track Activity (show / hide ‘Loading</a:t>
+            </a:r>
+            <a:r>
+              <a:rPr lang="en-US" smtClean="0"/>
+              <a:t>’ </a:t>
+            </a:r>
+            <a:r>
+              <a:rPr lang="en-US"/>
+              <a:t>), Scan Operator</a:t>
             </a:r>
             <a:endParaRPr lang="en-US" dirty="0"/>
           </a:p>
@@ -4987,11 +4995,7 @@
             </a:r>
             <a:r>
               <a:rPr lang="en-US" dirty="0"/>
-              <a:t> </a:t>
-            </a:r>
-            <a:r>
-              <a:rPr lang="en-US" dirty="0"/>
-              <a:t>Adding a Reactive Extension to Custom UI Element, </a:t>
+              <a:t> Adding a Reactive Extension to Custom UI Element, </a:t>
             </a:r>
           </a:p>
           <a:p>
@@ -5016,7 +5020,7 @@
               <a:t> </a:t>
             </a:r>
             <a:r>
-              <a:rPr lang="en-US" smtClean="0"/>
+              <a:rPr lang="en-US" dirty="0" err="1" smtClean="0"/>
               <a:t>RxDataSources</a:t>
             </a:r>
             <a:endParaRPr lang="en-US" dirty="0"/>
